--- a/课程/2/2.pptx
+++ b/课程/2/2.pptx
@@ -654,7 +654,7 @@
           <a:p>
             <a:fld id="{530820CF-B880-4189-942D-D702A7CBA730}" type="datetimeFigureOut">
               <a:rPr lang="zh-CN" altLang="en-US" smtClean="0"/>
-              <a:t>2021/7/6</a:t>
+              <a:t>2021/7/28</a:t>
             </a:fld>
             <a:endParaRPr lang="zh-CN" altLang="en-US"/>
           </a:p>
@@ -1053,7 +1053,7 @@
           <a:p>
             <a:fld id="{530820CF-B880-4189-942D-D702A7CBA730}" type="datetimeFigureOut">
               <a:rPr lang="zh-CN" altLang="en-US" smtClean="0"/>
-              <a:t>2021/7/6</a:t>
+              <a:t>2021/7/28</a:t>
             </a:fld>
             <a:endParaRPr lang="zh-CN" altLang="en-US"/>
           </a:p>
@@ -1313,7 +1313,7 @@
           <a:p>
             <a:fld id="{530820CF-B880-4189-942D-D702A7CBA730}" type="datetimeFigureOut">
               <a:rPr lang="zh-CN" altLang="en-US" smtClean="0"/>
-              <a:t>2021/7/6</a:t>
+              <a:t>2021/7/28</a:t>
             </a:fld>
             <a:endParaRPr lang="zh-CN" altLang="en-US"/>
           </a:p>
@@ -1865,7 +1865,7 @@
           <a:p>
             <a:fld id="{530820CF-B880-4189-942D-D702A7CBA730}" type="datetimeFigureOut">
               <a:rPr lang="zh-CN" altLang="en-US" smtClean="0"/>
-              <a:t>2021/7/6</a:t>
+              <a:t>2021/7/28</a:t>
             </a:fld>
             <a:endParaRPr lang="zh-CN" altLang="en-US"/>
           </a:p>
@@ -2125,7 +2125,7 @@
           <a:p>
             <a:fld id="{530820CF-B880-4189-942D-D702A7CBA730}" type="datetimeFigureOut">
               <a:rPr lang="zh-CN" altLang="en-US" smtClean="0"/>
-              <a:t>2021/7/6</a:t>
+              <a:t>2021/7/28</a:t>
             </a:fld>
             <a:endParaRPr lang="zh-CN" altLang="en-US"/>
           </a:p>
@@ -2669,7 +2669,7 @@
           <a:p>
             <a:fld id="{530820CF-B880-4189-942D-D702A7CBA730}" type="datetimeFigureOut">
               <a:rPr lang="zh-CN" altLang="en-US" smtClean="0"/>
-              <a:t>2021/7/6</a:t>
+              <a:t>2021/7/28</a:t>
             </a:fld>
             <a:endParaRPr lang="zh-CN" altLang="en-US"/>
           </a:p>
@@ -2978,7 +2978,7 @@
           <a:p>
             <a:fld id="{530820CF-B880-4189-942D-D702A7CBA730}" type="datetimeFigureOut">
               <a:rPr lang="zh-CN" altLang="en-US" smtClean="0"/>
-              <a:t>2021/7/6</a:t>
+              <a:t>2021/7/28</a:t>
             </a:fld>
             <a:endParaRPr lang="zh-CN" altLang="en-US"/>
           </a:p>
@@ -3164,7 +3164,7 @@
           <a:p>
             <a:fld id="{530820CF-B880-4189-942D-D702A7CBA730}" type="datetimeFigureOut">
               <a:rPr lang="zh-CN" altLang="en-US" smtClean="0"/>
-              <a:t>2021/7/6</a:t>
+              <a:t>2021/7/28</a:t>
             </a:fld>
             <a:endParaRPr lang="zh-CN" altLang="en-US"/>
           </a:p>
@@ -3356,7 +3356,7 @@
           <a:p>
             <a:fld id="{530820CF-B880-4189-942D-D702A7CBA730}" type="datetimeFigureOut">
               <a:rPr lang="zh-CN" altLang="en-US" smtClean="0"/>
-              <a:t>2021/7/6</a:t>
+              <a:t>2021/7/28</a:t>
             </a:fld>
             <a:endParaRPr lang="zh-CN" altLang="en-US"/>
           </a:p>
@@ -3553,7 +3553,7 @@
           <a:p>
             <a:fld id="{530820CF-B880-4189-942D-D702A7CBA730}" type="datetimeFigureOut">
               <a:rPr lang="zh-CN" altLang="en-US" smtClean="0"/>
-              <a:t>2021/7/6</a:t>
+              <a:t>2021/7/28</a:t>
             </a:fld>
             <a:endParaRPr lang="zh-CN" altLang="en-US"/>
           </a:p>
@@ -3821,7 +3821,7 @@
           <a:p>
             <a:fld id="{530820CF-B880-4189-942D-D702A7CBA730}" type="datetimeFigureOut">
               <a:rPr lang="zh-CN" altLang="en-US" smtClean="0"/>
-              <a:t>2021/7/6</a:t>
+              <a:t>2021/7/28</a:t>
             </a:fld>
             <a:endParaRPr lang="zh-CN" altLang="en-US"/>
           </a:p>
@@ -4135,7 +4135,7 @@
           <a:p>
             <a:fld id="{530820CF-B880-4189-942D-D702A7CBA730}" type="datetimeFigureOut">
               <a:rPr lang="zh-CN" altLang="en-US" smtClean="0"/>
-              <a:t>2021/7/6</a:t>
+              <a:t>2021/7/28</a:t>
             </a:fld>
             <a:endParaRPr lang="zh-CN" altLang="en-US"/>
           </a:p>
@@ -4589,7 +4589,7 @@
           <a:p>
             <a:fld id="{530820CF-B880-4189-942D-D702A7CBA730}" type="datetimeFigureOut">
               <a:rPr lang="zh-CN" altLang="en-US" smtClean="0"/>
-              <a:t>2021/7/6</a:t>
+              <a:t>2021/7/28</a:t>
             </a:fld>
             <a:endParaRPr lang="zh-CN" altLang="en-US"/>
           </a:p>
@@ -4719,7 +4719,7 @@
           <a:p>
             <a:fld id="{530820CF-B880-4189-942D-D702A7CBA730}" type="datetimeFigureOut">
               <a:rPr lang="zh-CN" altLang="en-US" smtClean="0"/>
-              <a:t>2021/7/6</a:t>
+              <a:t>2021/7/28</a:t>
             </a:fld>
             <a:endParaRPr lang="zh-CN" altLang="en-US"/>
           </a:p>
@@ -4826,7 +4826,7 @@
           <a:p>
             <a:fld id="{530820CF-B880-4189-942D-D702A7CBA730}" type="datetimeFigureOut">
               <a:rPr lang="zh-CN" altLang="en-US" smtClean="0"/>
-              <a:t>2021/7/6</a:t>
+              <a:t>2021/7/28</a:t>
             </a:fld>
             <a:endParaRPr lang="zh-CN" altLang="en-US"/>
           </a:p>
@@ -5121,7 +5121,7 @@
           <a:p>
             <a:fld id="{530820CF-B880-4189-942D-D702A7CBA730}" type="datetimeFigureOut">
               <a:rPr lang="zh-CN" altLang="en-US" smtClean="0"/>
-              <a:t>2021/7/6</a:t>
+              <a:t>2021/7/28</a:t>
             </a:fld>
             <a:endParaRPr lang="zh-CN" altLang="en-US"/>
           </a:p>
@@ -5424,7 +5424,7 @@
           <a:p>
             <a:fld id="{530820CF-B880-4189-942D-D702A7CBA730}" type="datetimeFigureOut">
               <a:rPr lang="zh-CN" altLang="en-US" smtClean="0"/>
-              <a:t>2021/7/6</a:t>
+              <a:t>2021/7/28</a:t>
             </a:fld>
             <a:endParaRPr lang="zh-CN" altLang="en-US"/>
           </a:p>
@@ -5960,7 +5960,7 @@
           <a:p>
             <a:fld id="{530820CF-B880-4189-942D-D702A7CBA730}" type="datetimeFigureOut">
               <a:rPr lang="zh-CN" altLang="en-US" smtClean="0"/>
-              <a:t>2021/7/6</a:t>
+              <a:t>2021/7/28</a:t>
             </a:fld>
             <a:endParaRPr lang="zh-CN" altLang="en-US"/>
           </a:p>
@@ -9994,7 +9994,15 @@
             </a:r>
             <a:r>
               <a:rPr lang="zh-CN" altLang="zh-CN" dirty="0"/>
-              <a:t>表示第一列，</a:t>
+              <a:t>表示第一</a:t>
+            </a:r>
+            <a:r>
+              <a:rPr lang="zh-CN" altLang="en-US" dirty="0"/>
+              <a:t>行</a:t>
+            </a:r>
+            <a:r>
+              <a:rPr lang="zh-CN" altLang="zh-CN" dirty="0"/>
+              <a:t>，</a:t>
             </a:r>
             <a:r>
               <a:rPr lang="en-US" altLang="zh-CN" dirty="0"/>
@@ -10002,7 +10010,11 @@
             </a:r>
             <a:r>
               <a:rPr lang="zh-CN" altLang="zh-CN" dirty="0"/>
-              <a:t>表示第二列</a:t>
+              <a:t>表示第二</a:t>
+            </a:r>
+            <a:r>
+              <a:rPr lang="zh-CN" altLang="en-US" dirty="0"/>
+              <a:t>行</a:t>
             </a:r>
             <a:endParaRPr lang="en-US" altLang="zh-CN" dirty="0"/>
           </a:p>

--- a/课程/2/2.pptx
+++ b/课程/2/2.pptx
@@ -16,22 +16,6 @@
     <p:sldId id="263" r:id="rId10"/>
     <p:sldId id="264" r:id="rId11"/>
     <p:sldId id="265" r:id="rId12"/>
-    <p:sldId id="268" r:id="rId13"/>
-    <p:sldId id="269" r:id="rId14"/>
-    <p:sldId id="270" r:id="rId15"/>
-    <p:sldId id="310" r:id="rId16"/>
-    <p:sldId id="266" r:id="rId17"/>
-    <p:sldId id="271" r:id="rId18"/>
-    <p:sldId id="272" r:id="rId19"/>
-    <p:sldId id="273" r:id="rId20"/>
-    <p:sldId id="274" r:id="rId21"/>
-    <p:sldId id="275" r:id="rId22"/>
-    <p:sldId id="276" r:id="rId23"/>
-    <p:sldId id="277" r:id="rId24"/>
-    <p:sldId id="278" r:id="rId25"/>
-    <p:sldId id="279" r:id="rId26"/>
-    <p:sldId id="280" r:id="rId27"/>
-    <p:sldId id="281" r:id="rId28"/>
   </p:sldIdLst>
   <p:sldSz cx="12192000" cy="6858000"/>
   <p:notesSz cx="6858000" cy="9144000"/>
@@ -654,7 +638,7 @@
           <a:p>
             <a:fld id="{530820CF-B880-4189-942D-D702A7CBA730}" type="datetimeFigureOut">
               <a:rPr lang="zh-CN" altLang="en-US" smtClean="0"/>
-              <a:t>2021/7/28</a:t>
+              <a:t>2022/6/24</a:t>
             </a:fld>
             <a:endParaRPr lang="zh-CN" altLang="en-US"/>
           </a:p>
@@ -1053,7 +1037,7 @@
           <a:p>
             <a:fld id="{530820CF-B880-4189-942D-D702A7CBA730}" type="datetimeFigureOut">
               <a:rPr lang="zh-CN" altLang="en-US" smtClean="0"/>
-              <a:t>2021/7/28</a:t>
+              <a:t>2022/6/24</a:t>
             </a:fld>
             <a:endParaRPr lang="zh-CN" altLang="en-US"/>
           </a:p>
@@ -1313,7 +1297,7 @@
           <a:p>
             <a:fld id="{530820CF-B880-4189-942D-D702A7CBA730}" type="datetimeFigureOut">
               <a:rPr lang="zh-CN" altLang="en-US" smtClean="0"/>
-              <a:t>2021/7/28</a:t>
+              <a:t>2022/6/24</a:t>
             </a:fld>
             <a:endParaRPr lang="zh-CN" altLang="en-US"/>
           </a:p>
@@ -1865,7 +1849,7 @@
           <a:p>
             <a:fld id="{530820CF-B880-4189-942D-D702A7CBA730}" type="datetimeFigureOut">
               <a:rPr lang="zh-CN" altLang="en-US" smtClean="0"/>
-              <a:t>2021/7/28</a:t>
+              <a:t>2022/6/24</a:t>
             </a:fld>
             <a:endParaRPr lang="zh-CN" altLang="en-US"/>
           </a:p>
@@ -2125,7 +2109,7 @@
           <a:p>
             <a:fld id="{530820CF-B880-4189-942D-D702A7CBA730}" type="datetimeFigureOut">
               <a:rPr lang="zh-CN" altLang="en-US" smtClean="0"/>
-              <a:t>2021/7/28</a:t>
+              <a:t>2022/6/24</a:t>
             </a:fld>
             <a:endParaRPr lang="zh-CN" altLang="en-US"/>
           </a:p>
@@ -2669,7 +2653,7 @@
           <a:p>
             <a:fld id="{530820CF-B880-4189-942D-D702A7CBA730}" type="datetimeFigureOut">
               <a:rPr lang="zh-CN" altLang="en-US" smtClean="0"/>
-              <a:t>2021/7/28</a:t>
+              <a:t>2022/6/24</a:t>
             </a:fld>
             <a:endParaRPr lang="zh-CN" altLang="en-US"/>
           </a:p>
@@ -2978,7 +2962,7 @@
           <a:p>
             <a:fld id="{530820CF-B880-4189-942D-D702A7CBA730}" type="datetimeFigureOut">
               <a:rPr lang="zh-CN" altLang="en-US" smtClean="0"/>
-              <a:t>2021/7/28</a:t>
+              <a:t>2022/6/24</a:t>
             </a:fld>
             <a:endParaRPr lang="zh-CN" altLang="en-US"/>
           </a:p>
@@ -3164,7 +3148,7 @@
           <a:p>
             <a:fld id="{530820CF-B880-4189-942D-D702A7CBA730}" type="datetimeFigureOut">
               <a:rPr lang="zh-CN" altLang="en-US" smtClean="0"/>
-              <a:t>2021/7/28</a:t>
+              <a:t>2022/6/24</a:t>
             </a:fld>
             <a:endParaRPr lang="zh-CN" altLang="en-US"/>
           </a:p>
@@ -3356,7 +3340,7 @@
           <a:p>
             <a:fld id="{530820CF-B880-4189-942D-D702A7CBA730}" type="datetimeFigureOut">
               <a:rPr lang="zh-CN" altLang="en-US" smtClean="0"/>
-              <a:t>2021/7/28</a:t>
+              <a:t>2022/6/24</a:t>
             </a:fld>
             <a:endParaRPr lang="zh-CN" altLang="en-US"/>
           </a:p>
@@ -3553,7 +3537,7 @@
           <a:p>
             <a:fld id="{530820CF-B880-4189-942D-D702A7CBA730}" type="datetimeFigureOut">
               <a:rPr lang="zh-CN" altLang="en-US" smtClean="0"/>
-              <a:t>2021/7/28</a:t>
+              <a:t>2022/6/24</a:t>
             </a:fld>
             <a:endParaRPr lang="zh-CN" altLang="en-US"/>
           </a:p>
@@ -3821,7 +3805,7 @@
           <a:p>
             <a:fld id="{530820CF-B880-4189-942D-D702A7CBA730}" type="datetimeFigureOut">
               <a:rPr lang="zh-CN" altLang="en-US" smtClean="0"/>
-              <a:t>2021/7/28</a:t>
+              <a:t>2022/6/24</a:t>
             </a:fld>
             <a:endParaRPr lang="zh-CN" altLang="en-US"/>
           </a:p>
@@ -4135,7 +4119,7 @@
           <a:p>
             <a:fld id="{530820CF-B880-4189-942D-D702A7CBA730}" type="datetimeFigureOut">
               <a:rPr lang="zh-CN" altLang="en-US" smtClean="0"/>
-              <a:t>2021/7/28</a:t>
+              <a:t>2022/6/24</a:t>
             </a:fld>
             <a:endParaRPr lang="zh-CN" altLang="en-US"/>
           </a:p>
@@ -4589,7 +4573,7 @@
           <a:p>
             <a:fld id="{530820CF-B880-4189-942D-D702A7CBA730}" type="datetimeFigureOut">
               <a:rPr lang="zh-CN" altLang="en-US" smtClean="0"/>
-              <a:t>2021/7/28</a:t>
+              <a:t>2022/6/24</a:t>
             </a:fld>
             <a:endParaRPr lang="zh-CN" altLang="en-US"/>
           </a:p>
@@ -4719,7 +4703,7 @@
           <a:p>
             <a:fld id="{530820CF-B880-4189-942D-D702A7CBA730}" type="datetimeFigureOut">
               <a:rPr lang="zh-CN" altLang="en-US" smtClean="0"/>
-              <a:t>2021/7/28</a:t>
+              <a:t>2022/6/24</a:t>
             </a:fld>
             <a:endParaRPr lang="zh-CN" altLang="en-US"/>
           </a:p>
@@ -4826,7 +4810,7 @@
           <a:p>
             <a:fld id="{530820CF-B880-4189-942D-D702A7CBA730}" type="datetimeFigureOut">
               <a:rPr lang="zh-CN" altLang="en-US" smtClean="0"/>
-              <a:t>2021/7/28</a:t>
+              <a:t>2022/6/24</a:t>
             </a:fld>
             <a:endParaRPr lang="zh-CN" altLang="en-US"/>
           </a:p>
@@ -5121,7 +5105,7 @@
           <a:p>
             <a:fld id="{530820CF-B880-4189-942D-D702A7CBA730}" type="datetimeFigureOut">
               <a:rPr lang="zh-CN" altLang="en-US" smtClean="0"/>
-              <a:t>2021/7/28</a:t>
+              <a:t>2022/6/24</a:t>
             </a:fld>
             <a:endParaRPr lang="zh-CN" altLang="en-US"/>
           </a:p>
@@ -5424,7 +5408,7 @@
           <a:p>
             <a:fld id="{530820CF-B880-4189-942D-D702A7CBA730}" type="datetimeFigureOut">
               <a:rPr lang="zh-CN" altLang="en-US" smtClean="0"/>
-              <a:t>2021/7/28</a:t>
+              <a:t>2022/6/24</a:t>
             </a:fld>
             <a:endParaRPr lang="zh-CN" altLang="en-US"/>
           </a:p>
@@ -5960,7 +5944,7 @@
           <a:p>
             <a:fld id="{530820CF-B880-4189-942D-D702A7CBA730}" type="datetimeFigureOut">
               <a:rPr lang="zh-CN" altLang="en-US" smtClean="0"/>
-              <a:t>2021/7/28</a:t>
+              <a:t>2022/6/24</a:t>
             </a:fld>
             <a:endParaRPr lang="zh-CN" altLang="en-US"/>
           </a:p>
@@ -6526,7 +6510,7 @@
             <a:pPr algn="ctr"/>
             <a:r>
               <a:rPr lang="en-US" altLang="zh-CN" b="1" dirty="0"/>
-              <a:t>2021</a:t>
+              <a:t>2022</a:t>
             </a:r>
             <a:r>
               <a:rPr lang="zh-CN" altLang="en-US" b="1" dirty="0"/>
@@ -6594,6 +6578,36 @@
           </a:p>
         </p:txBody>
       </p:sp>
+      <p:pic>
+        <p:nvPicPr>
+          <p:cNvPr id="4" name="图片 3">
+            <a:extLst>
+              <a:ext uri="{FF2B5EF4-FFF2-40B4-BE49-F238E27FC236}">
+                <a16:creationId xmlns:a16="http://schemas.microsoft.com/office/drawing/2014/main" id="{B14FDDAA-E2B5-84BF-75B3-F8FABE597853}"/>
+              </a:ext>
+            </a:extLst>
+          </p:cNvPr>
+          <p:cNvPicPr>
+            <a:picLocks noChangeAspect="1"/>
+          </p:cNvPicPr>
+          <p:nvPr/>
+        </p:nvPicPr>
+        <p:blipFill>
+          <a:blip r:embed="rId2"/>
+          <a:stretch>
+            <a:fillRect/>
+          </a:stretch>
+        </p:blipFill>
+        <p:spPr>
+          <a:xfrm>
+            <a:off x="6877686" y="7620"/>
+            <a:ext cx="3772535" cy="673100"/>
+          </a:xfrm>
+          <a:prstGeom prst="rect">
+            <a:avLst/>
+          </a:prstGeom>
+        </p:spPr>
+      </p:pic>
     </p:spTree>
   </p:cSld>
   <p:clrMapOvr>
@@ -6929,6 +6943,36 @@
           </a:p>
         </p:txBody>
       </p:sp>
+      <p:pic>
+        <p:nvPicPr>
+          <p:cNvPr id="4" name="图片 3">
+            <a:extLst>
+              <a:ext uri="{FF2B5EF4-FFF2-40B4-BE49-F238E27FC236}">
+                <a16:creationId xmlns:a16="http://schemas.microsoft.com/office/drawing/2014/main" id="{C3E39226-4278-E3D0-C23F-33669359056C}"/>
+              </a:ext>
+            </a:extLst>
+          </p:cNvPr>
+          <p:cNvPicPr>
+            <a:picLocks noChangeAspect="1"/>
+          </p:cNvPicPr>
+          <p:nvPr/>
+        </p:nvPicPr>
+        <p:blipFill>
+          <a:blip r:embed="rId2"/>
+          <a:stretch>
+            <a:fillRect/>
+          </a:stretch>
+        </p:blipFill>
+        <p:spPr>
+          <a:xfrm>
+            <a:off x="6877686" y="7620"/>
+            <a:ext cx="3772535" cy="673100"/>
+          </a:xfrm>
+          <a:prstGeom prst="rect">
+            <a:avLst/>
+          </a:prstGeom>
+        </p:spPr>
+      </p:pic>
     </p:spTree>
     <p:extLst>
       <p:ext uri="{BB962C8B-B14F-4D97-AF65-F5344CB8AC3E}">
@@ -7035,1501 +7079,12 @@
           </a:prstGeom>
         </p:spPr>
       </p:pic>
-    </p:spTree>
-    <p:extLst>
-      <p:ext uri="{BB962C8B-B14F-4D97-AF65-F5344CB8AC3E}">
-        <p14:creationId xmlns:p14="http://schemas.microsoft.com/office/powerpoint/2010/main" val="2405040254"/>
-      </p:ext>
-    </p:extLst>
-  </p:cSld>
-  <p:clrMapOvr>
-    <a:masterClrMapping/>
-  </p:clrMapOvr>
-  <mc:AlternateContent xmlns:mc="http://schemas.openxmlformats.org/markup-compatibility/2006" xmlns:p14="http://schemas.microsoft.com/office/powerpoint/2010/main">
-    <mc:Choice Requires="p14">
-      <p:transition spd="slow" p14:dur="1250">
-        <p:push dir="u"/>
-      </p:transition>
-    </mc:Choice>
-    <mc:Fallback xmlns="">
-      <p:transition spd="slow">
-        <p:push dir="u"/>
-      </p:transition>
-    </mc:Fallback>
-  </mc:AlternateContent>
-</p:sld>
-</file>
-
-<file path=ppt/slides/slide12.xml><?xml version="1.0" encoding="utf-8"?>
-<p:sld xmlns:a="http://schemas.openxmlformats.org/drawingml/2006/main" xmlns:r="http://schemas.openxmlformats.org/officeDocument/2006/relationships" xmlns:p="http://schemas.openxmlformats.org/presentationml/2006/main">
-  <p:cSld>
-    <p:spTree>
-      <p:nvGrpSpPr>
-        <p:cNvPr id="1" name=""/>
-        <p:cNvGrpSpPr/>
-        <p:nvPr/>
-      </p:nvGrpSpPr>
-      <p:grpSpPr>
-        <a:xfrm>
-          <a:off x="0" y="0"/>
-          <a:ext cx="0" cy="0"/>
-          <a:chOff x="0" y="0"/>
-          <a:chExt cx="0" cy="0"/>
-        </a:xfrm>
-      </p:grpSpPr>
-      <p:sp>
-        <p:nvSpPr>
-          <p:cNvPr id="2" name="标题 1">
+      <p:pic>
+        <p:nvPicPr>
+          <p:cNvPr id="4" name="图片 3">
             <a:extLst>
               <a:ext uri="{FF2B5EF4-FFF2-40B4-BE49-F238E27FC236}">
-                <a16:creationId xmlns:a16="http://schemas.microsoft.com/office/drawing/2014/main" id="{5A0AD36D-20B1-478A-9E3E-9A7FD883F5B0}"/>
-              </a:ext>
-            </a:extLst>
-          </p:cNvPr>
-          <p:cNvSpPr>
-            <a:spLocks noGrp="1"/>
-          </p:cNvSpPr>
-          <p:nvPr>
-            <p:ph type="title"/>
-          </p:nvPr>
-        </p:nvSpPr>
-        <p:spPr/>
-        <p:txBody>
-          <a:bodyPr/>
-          <a:lstStyle/>
-          <a:p>
-            <a:pPr algn="ctr"/>
-            <a:r>
-              <a:rPr lang="zh-CN" altLang="en-US" dirty="0"/>
-              <a:t>四位数码管</a:t>
-            </a:r>
-          </a:p>
-        </p:txBody>
-      </p:sp>
-      <p:sp>
-        <p:nvSpPr>
-          <p:cNvPr id="3" name="内容占位符 2">
-            <a:extLst>
-              <a:ext uri="{FF2B5EF4-FFF2-40B4-BE49-F238E27FC236}">
-                <a16:creationId xmlns:a16="http://schemas.microsoft.com/office/drawing/2014/main" id="{C8DED582-CB07-4DA8-9E9A-751919DC8FBB}"/>
-              </a:ext>
-            </a:extLst>
-          </p:cNvPr>
-          <p:cNvSpPr>
-            <a:spLocks noGrp="1"/>
-          </p:cNvSpPr>
-          <p:nvPr>
-            <p:ph idx="1"/>
-          </p:nvPr>
-        </p:nvSpPr>
-        <p:spPr/>
-        <p:txBody>
-          <a:bodyPr/>
-          <a:lstStyle/>
-          <a:p>
-            <a:r>
-              <a:rPr lang="en-US" altLang="zh-CN" dirty="0"/>
-              <a:t>1 </a:t>
-            </a:r>
-            <a:r>
-              <a:rPr lang="zh-CN" altLang="zh-CN" dirty="0"/>
-              <a:t>位数码管，需要</a:t>
-            </a:r>
-            <a:r>
-              <a:rPr lang="en-US" altLang="zh-CN" dirty="0"/>
-              <a:t> 8 </a:t>
-            </a:r>
-            <a:r>
-              <a:rPr lang="zh-CN" altLang="zh-CN" dirty="0"/>
-              <a:t>根线与单片机连接，如果</a:t>
-            </a:r>
-            <a:r>
-              <a:rPr lang="en-US" altLang="zh-CN" dirty="0"/>
-              <a:t> 4</a:t>
-            </a:r>
-            <a:r>
-              <a:rPr lang="zh-CN" altLang="en-US" dirty="0"/>
-              <a:t>个</a:t>
-            </a:r>
-            <a:r>
-              <a:rPr lang="en-US" altLang="zh-CN" dirty="0"/>
-              <a:t> </a:t>
-            </a:r>
-            <a:r>
-              <a:rPr lang="zh-CN" altLang="zh-CN" dirty="0"/>
-              <a:t>数码管也用同样的方式连接，则需要</a:t>
-            </a:r>
-            <a:r>
-              <a:rPr lang="en-US" altLang="zh-CN" dirty="0"/>
-              <a:t> 32 </a:t>
-            </a:r>
-            <a:r>
-              <a:rPr lang="zh-CN" altLang="zh-CN" dirty="0"/>
-              <a:t>个引脚</a:t>
-            </a:r>
-            <a:r>
-              <a:rPr lang="zh-CN" altLang="en-US" dirty="0"/>
-              <a:t>。</a:t>
-            </a:r>
-            <a:r>
-              <a:rPr lang="zh-CN" altLang="zh-CN" dirty="0"/>
-              <a:t>很显然</a:t>
-            </a:r>
-            <a:r>
-              <a:rPr lang="en-US" altLang="zh-CN" dirty="0"/>
-              <a:t> UNO </a:t>
-            </a:r>
-            <a:r>
-              <a:rPr lang="zh-CN" altLang="zh-CN" dirty="0"/>
-              <a:t>主板没有这么多引脚，那么最终</a:t>
-            </a:r>
-            <a:r>
-              <a:rPr lang="zh-CN" altLang="zh-CN" b="1" dirty="0">
-                <a:solidFill>
-                  <a:srgbClr val="FF0000"/>
-                </a:solidFill>
-              </a:rPr>
-              <a:t>有什么方法节省引脚呢</a:t>
-            </a:r>
-            <a:r>
-              <a:rPr lang="en-US" altLang="zh-CN" dirty="0"/>
-              <a:t>?</a:t>
-            </a:r>
-          </a:p>
-          <a:p>
-            <a:r>
-              <a:rPr lang="zh-CN" altLang="zh-CN" dirty="0"/>
-              <a:t>接通不同引脚（</a:t>
-            </a:r>
-            <a:r>
-              <a:rPr lang="zh-CN" altLang="en-US" dirty="0"/>
-              <a:t>如：</a:t>
-            </a:r>
-            <a:r>
-              <a:rPr lang="zh-CN" altLang="zh-CN" dirty="0"/>
-              <a:t>给高电平），点亮对应的</a:t>
-            </a:r>
-            <a:r>
-              <a:rPr lang="en-US" altLang="zh-CN" dirty="0"/>
-              <a:t>LED</a:t>
-            </a:r>
-            <a:r>
-              <a:rPr lang="zh-CN" altLang="zh-CN" dirty="0"/>
-              <a:t>组，实现单个字符控制，再通过短时间的刷新，例如</a:t>
-            </a:r>
-            <a:r>
-              <a:rPr lang="en-US" altLang="zh-CN" dirty="0"/>
-              <a:t>3</a:t>
-            </a:r>
-            <a:r>
-              <a:rPr lang="zh-CN" altLang="zh-CN" dirty="0"/>
-              <a:t>微秒，如此快闪，人类的肉眼已经看不出是一个一个轮着点亮的</a:t>
-            </a:r>
-            <a:r>
-              <a:rPr lang="zh-CN" altLang="en-US" dirty="0"/>
-              <a:t>。</a:t>
-            </a:r>
-          </a:p>
-        </p:txBody>
-      </p:sp>
-    </p:spTree>
-    <p:extLst>
-      <p:ext uri="{BB962C8B-B14F-4D97-AF65-F5344CB8AC3E}">
-        <p14:creationId xmlns:p14="http://schemas.microsoft.com/office/powerpoint/2010/main" val="2296959256"/>
-      </p:ext>
-    </p:extLst>
-  </p:cSld>
-  <p:clrMapOvr>
-    <a:masterClrMapping/>
-  </p:clrMapOvr>
-  <mc:AlternateContent xmlns:mc="http://schemas.openxmlformats.org/markup-compatibility/2006" xmlns:p14="http://schemas.microsoft.com/office/powerpoint/2010/main">
-    <mc:Choice Requires="p14">
-      <p:transition spd="slow" p14:dur="1250">
-        <p:push dir="u"/>
-      </p:transition>
-    </mc:Choice>
-    <mc:Fallback xmlns="">
-      <p:transition spd="slow">
-        <p:push dir="u"/>
-      </p:transition>
-    </mc:Fallback>
-  </mc:AlternateContent>
-</p:sld>
-</file>
-
-<file path=ppt/slides/slide13.xml><?xml version="1.0" encoding="utf-8"?>
-<p:sld xmlns:a="http://schemas.openxmlformats.org/drawingml/2006/main" xmlns:r="http://schemas.openxmlformats.org/officeDocument/2006/relationships" xmlns:p="http://schemas.openxmlformats.org/presentationml/2006/main">
-  <p:cSld>
-    <p:spTree>
-      <p:nvGrpSpPr>
-        <p:cNvPr id="1" name=""/>
-        <p:cNvGrpSpPr/>
-        <p:nvPr/>
-      </p:nvGrpSpPr>
-      <p:grpSpPr>
-        <a:xfrm>
-          <a:off x="0" y="0"/>
-          <a:ext cx="0" cy="0"/>
-          <a:chOff x="0" y="0"/>
-          <a:chExt cx="0" cy="0"/>
-        </a:xfrm>
-      </p:grpSpPr>
-      <p:sp>
-        <p:nvSpPr>
-          <p:cNvPr id="2" name="标题 1">
-            <a:extLst>
-              <a:ext uri="{FF2B5EF4-FFF2-40B4-BE49-F238E27FC236}">
-                <a16:creationId xmlns:a16="http://schemas.microsoft.com/office/drawing/2014/main" id="{0AC9B572-D571-4789-9E97-8F2A22D4E980}"/>
-              </a:ext>
-            </a:extLst>
-          </p:cNvPr>
-          <p:cNvSpPr>
-            <a:spLocks noGrp="1"/>
-          </p:cNvSpPr>
-          <p:nvPr>
-            <p:ph type="title"/>
-          </p:nvPr>
-        </p:nvSpPr>
-        <p:spPr/>
-        <p:txBody>
-          <a:bodyPr>
-            <a:normAutofit/>
-          </a:bodyPr>
-          <a:lstStyle/>
-          <a:p>
-            <a:r>
-              <a:rPr lang="zh-CN" altLang="en-US" sz="2800" dirty="0"/>
-              <a:t>原理图</a:t>
-            </a:r>
-          </a:p>
-        </p:txBody>
-      </p:sp>
-      <p:pic>
-        <p:nvPicPr>
-          <p:cNvPr id="4" name="内容占位符 3">
-            <a:extLst>
-              <a:ext uri="{FF2B5EF4-FFF2-40B4-BE49-F238E27FC236}">
-                <a16:creationId xmlns:a16="http://schemas.microsoft.com/office/drawing/2014/main" id="{7B036873-9C69-4D18-9BDA-DD242427FB36}"/>
-              </a:ext>
-            </a:extLst>
-          </p:cNvPr>
-          <p:cNvPicPr>
-            <a:picLocks noGrp="1" noChangeAspect="1"/>
-          </p:cNvPicPr>
-          <p:nvPr>
-            <p:ph idx="1"/>
-          </p:nvPr>
-        </p:nvPicPr>
-        <p:blipFill>
-          <a:blip r:embed="rId2"/>
-          <a:stretch>
-            <a:fillRect/>
-          </a:stretch>
-        </p:blipFill>
-        <p:spPr>
-          <a:xfrm>
-            <a:off x="3239182" y="2438401"/>
-            <a:ext cx="6413548" cy="2347163"/>
-          </a:xfrm>
-          <a:prstGeom prst="rect">
-            <a:avLst/>
-          </a:prstGeom>
-        </p:spPr>
-      </p:pic>
-      <p:sp>
-        <p:nvSpPr>
-          <p:cNvPr id="3" name="文本框 2">
-            <a:extLst>
-              <a:ext uri="{FF2B5EF4-FFF2-40B4-BE49-F238E27FC236}">
-                <a16:creationId xmlns:a16="http://schemas.microsoft.com/office/drawing/2014/main" id="{B5DF907F-770A-4E84-A3FF-7C766D26B489}"/>
-              </a:ext>
-            </a:extLst>
-          </p:cNvPr>
-          <p:cNvSpPr txBox="1"/>
-          <p:nvPr/>
-        </p:nvSpPr>
-        <p:spPr>
-          <a:xfrm>
-            <a:off x="3679012" y="5184842"/>
-            <a:ext cx="5533887" cy="369332"/>
-          </a:xfrm>
-          <a:prstGeom prst="rect">
-            <a:avLst/>
-          </a:prstGeom>
-          <a:noFill/>
-        </p:spPr>
-        <p:txBody>
-          <a:bodyPr wrap="none" rtlCol="0">
-            <a:spAutoFit/>
-          </a:bodyPr>
-          <a:lstStyle/>
-          <a:p>
-            <a:r>
-              <a:rPr lang="zh-CN" altLang="en-US" dirty="0"/>
-              <a:t>注意：编号</a:t>
-            </a:r>
-            <a:r>
-              <a:rPr lang="en-US" altLang="zh-CN" dirty="0" err="1"/>
-              <a:t>A~Do</a:t>
-            </a:r>
-            <a:r>
-              <a:rPr lang="zh-CN" altLang="en-US" dirty="0"/>
-              <a:t>和前面介绍的数码管位置保持一致。</a:t>
-            </a:r>
-          </a:p>
-        </p:txBody>
-      </p:sp>
-    </p:spTree>
-    <p:extLst>
-      <p:ext uri="{BB962C8B-B14F-4D97-AF65-F5344CB8AC3E}">
-        <p14:creationId xmlns:p14="http://schemas.microsoft.com/office/powerpoint/2010/main" val="3732342568"/>
-      </p:ext>
-    </p:extLst>
-  </p:cSld>
-  <p:clrMapOvr>
-    <a:masterClrMapping/>
-  </p:clrMapOvr>
-  <mc:AlternateContent xmlns:mc="http://schemas.openxmlformats.org/markup-compatibility/2006" xmlns:p14="http://schemas.microsoft.com/office/powerpoint/2010/main">
-    <mc:Choice Requires="p14">
-      <p:transition spd="slow" p14:dur="1250">
-        <p:push dir="u"/>
-      </p:transition>
-    </mc:Choice>
-    <mc:Fallback xmlns="">
-      <p:transition spd="slow">
-        <p:push dir="u"/>
-      </p:transition>
-    </mc:Fallback>
-  </mc:AlternateContent>
-</p:sld>
-</file>
-
-<file path=ppt/slides/slide14.xml><?xml version="1.0" encoding="utf-8"?>
-<p:sld xmlns:a="http://schemas.openxmlformats.org/drawingml/2006/main" xmlns:r="http://schemas.openxmlformats.org/officeDocument/2006/relationships" xmlns:p="http://schemas.openxmlformats.org/presentationml/2006/main">
-  <p:cSld>
-    <p:spTree>
-      <p:nvGrpSpPr>
-        <p:cNvPr id="1" name=""/>
-        <p:cNvGrpSpPr/>
-        <p:nvPr/>
-      </p:nvGrpSpPr>
-      <p:grpSpPr>
-        <a:xfrm>
-          <a:off x="0" y="0"/>
-          <a:ext cx="0" cy="0"/>
-          <a:chOff x="0" y="0"/>
-          <a:chExt cx="0" cy="0"/>
-        </a:xfrm>
-      </p:grpSpPr>
-      <p:sp>
-        <p:nvSpPr>
-          <p:cNvPr id="2" name="标题 1">
-            <a:extLst>
-              <a:ext uri="{FF2B5EF4-FFF2-40B4-BE49-F238E27FC236}">
-                <a16:creationId xmlns:a16="http://schemas.microsoft.com/office/drawing/2014/main" id="{4351447E-80FD-4A0C-AB19-ED85DA2A1C00}"/>
-              </a:ext>
-            </a:extLst>
-          </p:cNvPr>
-          <p:cNvSpPr>
-            <a:spLocks noGrp="1"/>
-          </p:cNvSpPr>
-          <p:nvPr>
-            <p:ph type="title"/>
-          </p:nvPr>
-        </p:nvSpPr>
-        <p:spPr/>
-        <p:txBody>
-          <a:bodyPr>
-            <a:normAutofit/>
-          </a:bodyPr>
-          <a:lstStyle/>
-          <a:p>
-            <a:r>
-              <a:rPr lang="zh-CN" altLang="en-US" sz="2800" dirty="0"/>
-              <a:t>引脚序号图</a:t>
-            </a:r>
-          </a:p>
-        </p:txBody>
-      </p:sp>
-      <p:pic>
-        <p:nvPicPr>
-          <p:cNvPr id="4" name="内容占位符 3">
-            <a:extLst>
-              <a:ext uri="{FF2B5EF4-FFF2-40B4-BE49-F238E27FC236}">
-                <a16:creationId xmlns:a16="http://schemas.microsoft.com/office/drawing/2014/main" id="{75CD80F8-F4A0-47FB-B677-EBF167745A61}"/>
-              </a:ext>
-            </a:extLst>
-          </p:cNvPr>
-          <p:cNvPicPr>
-            <a:picLocks noGrp="1"/>
-          </p:cNvPicPr>
-          <p:nvPr>
-            <p:ph idx="1"/>
-          </p:nvPr>
-        </p:nvPicPr>
-        <p:blipFill>
-          <a:blip r:embed="rId2"/>
-          <a:stretch>
-            <a:fillRect/>
-          </a:stretch>
-        </p:blipFill>
-        <p:spPr>
-          <a:xfrm>
-            <a:off x="4612393" y="2438401"/>
-            <a:ext cx="3667125" cy="2171700"/>
-          </a:xfrm>
-          <a:prstGeom prst="rect">
-            <a:avLst/>
-          </a:prstGeom>
-        </p:spPr>
-      </p:pic>
-      <p:sp>
-        <p:nvSpPr>
-          <p:cNvPr id="3" name="文本框 2">
-            <a:extLst>
-              <a:ext uri="{FF2B5EF4-FFF2-40B4-BE49-F238E27FC236}">
-                <a16:creationId xmlns:a16="http://schemas.microsoft.com/office/drawing/2014/main" id="{F3D7F0A3-AF38-48A0-8DE8-3141C231D8CA}"/>
-              </a:ext>
-            </a:extLst>
-          </p:cNvPr>
-          <p:cNvSpPr txBox="1"/>
-          <p:nvPr/>
-        </p:nvSpPr>
-        <p:spPr>
-          <a:xfrm>
-            <a:off x="4160714" y="5061200"/>
-            <a:ext cx="4570482" cy="369332"/>
-          </a:xfrm>
-          <a:prstGeom prst="rect">
-            <a:avLst/>
-          </a:prstGeom>
-          <a:noFill/>
-        </p:spPr>
-        <p:txBody>
-          <a:bodyPr wrap="none" rtlCol="0">
-            <a:spAutoFit/>
-          </a:bodyPr>
-          <a:lstStyle/>
-          <a:p>
-            <a:pPr algn="just"/>
-            <a:r>
-              <a:rPr lang="zh-CN" altLang="en-US" dirty="0"/>
-              <a:t>注意：引脚序号和前面的原理图一一对应。</a:t>
-            </a:r>
-          </a:p>
-        </p:txBody>
-      </p:sp>
-    </p:spTree>
-    <p:extLst>
-      <p:ext uri="{BB962C8B-B14F-4D97-AF65-F5344CB8AC3E}">
-        <p14:creationId xmlns:p14="http://schemas.microsoft.com/office/powerpoint/2010/main" val="1443692600"/>
-      </p:ext>
-    </p:extLst>
-  </p:cSld>
-  <p:clrMapOvr>
-    <a:masterClrMapping/>
-  </p:clrMapOvr>
-  <mc:AlternateContent xmlns:mc="http://schemas.openxmlformats.org/markup-compatibility/2006" xmlns:p14="http://schemas.microsoft.com/office/powerpoint/2010/main">
-    <mc:Choice Requires="p14">
-      <p:transition spd="slow" p14:dur="1250">
-        <p:push dir="u"/>
-      </p:transition>
-    </mc:Choice>
-    <mc:Fallback xmlns="">
-      <p:transition spd="slow">
-        <p:push dir="u"/>
-      </p:transition>
-    </mc:Fallback>
-  </mc:AlternateContent>
-</p:sld>
-</file>
-
-<file path=ppt/slides/slide15.xml><?xml version="1.0" encoding="utf-8"?>
-<p:sld xmlns:a="http://schemas.openxmlformats.org/drawingml/2006/main" xmlns:r="http://schemas.openxmlformats.org/officeDocument/2006/relationships" xmlns:p="http://schemas.openxmlformats.org/presentationml/2006/main">
-  <p:cSld>
-    <p:spTree>
-      <p:nvGrpSpPr>
-        <p:cNvPr id="1" name=""/>
-        <p:cNvGrpSpPr/>
-        <p:nvPr/>
-      </p:nvGrpSpPr>
-      <p:grpSpPr>
-        <a:xfrm>
-          <a:off x="0" y="0"/>
-          <a:ext cx="0" cy="0"/>
-          <a:chOff x="0" y="0"/>
-          <a:chExt cx="0" cy="0"/>
-        </a:xfrm>
-      </p:grpSpPr>
-      <p:sp>
-        <p:nvSpPr>
-          <p:cNvPr id="2" name="标题 1">
-            <a:extLst>
-              <a:ext uri="{FF2B5EF4-FFF2-40B4-BE49-F238E27FC236}">
-                <a16:creationId xmlns:a16="http://schemas.microsoft.com/office/drawing/2014/main" id="{76011B2F-51B4-4E59-93D0-705BFCAE271A}"/>
-              </a:ext>
-            </a:extLst>
-          </p:cNvPr>
-          <p:cNvSpPr>
-            <a:spLocks noGrp="1"/>
-          </p:cNvSpPr>
-          <p:nvPr>
-            <p:ph type="title"/>
-          </p:nvPr>
-        </p:nvSpPr>
-        <p:spPr/>
-        <p:txBody>
-          <a:bodyPr/>
-          <a:lstStyle/>
-          <a:p>
-            <a:r>
-              <a:rPr lang="zh-CN" altLang="en-US" dirty="0"/>
-              <a:t>引脚接口关系</a:t>
-            </a:r>
-          </a:p>
-        </p:txBody>
-      </p:sp>
-      <p:graphicFrame>
-        <p:nvGraphicFramePr>
-          <p:cNvPr id="7" name="表格 7">
-            <a:extLst>
-              <a:ext uri="{FF2B5EF4-FFF2-40B4-BE49-F238E27FC236}">
-                <a16:creationId xmlns:a16="http://schemas.microsoft.com/office/drawing/2014/main" id="{96953B28-05A6-470C-BA7D-52206189EA94}"/>
-              </a:ext>
-            </a:extLst>
-          </p:cNvPr>
-          <p:cNvGraphicFramePr>
-            <a:graphicFrameLocks noGrp="1"/>
-          </p:cNvGraphicFramePr>
-          <p:nvPr>
-            <p:ph idx="1"/>
-            <p:extLst>
-              <p:ext uri="{D42A27DB-BD31-4B8C-83A1-F6EECF244321}">
-                <p14:modId xmlns:p14="http://schemas.microsoft.com/office/powerpoint/2010/main" val="2519236138"/>
-              </p:ext>
-            </p:extLst>
-          </p:nvPr>
-        </p:nvGraphicFramePr>
-        <p:xfrm>
-          <a:off x="1480008" y="2667000"/>
-          <a:ext cx="10102390" cy="2225040"/>
-        </p:xfrm>
-        <a:graphic>
-          <a:graphicData uri="http://schemas.openxmlformats.org/drawingml/2006/table">
-            <a:tbl>
-              <a:tblPr firstRow="1" bandRow="1">
-                <a:tableStyleId>{5C22544A-7EE6-4342-B048-85BDC9FD1C3A}</a:tableStyleId>
-              </a:tblPr>
-              <a:tblGrid>
-                <a:gridCol w="1885361">
-                  <a:extLst>
-                    <a:ext uri="{9D8B030D-6E8A-4147-A177-3AD203B41FA5}">
-                      <a16:colId xmlns:a16="http://schemas.microsoft.com/office/drawing/2014/main" val="1997413519"/>
-                    </a:ext>
-                  </a:extLst>
-                </a:gridCol>
-                <a:gridCol w="879379">
-                  <a:extLst>
-                    <a:ext uri="{9D8B030D-6E8A-4147-A177-3AD203B41FA5}">
-                      <a16:colId xmlns:a16="http://schemas.microsoft.com/office/drawing/2014/main" val="517450544"/>
-                    </a:ext>
-                  </a:extLst>
-                </a:gridCol>
-                <a:gridCol w="1467530">
-                  <a:extLst>
-                    <a:ext uri="{9D8B030D-6E8A-4147-A177-3AD203B41FA5}">
-                      <a16:colId xmlns:a16="http://schemas.microsoft.com/office/drawing/2014/main" val="3499507556"/>
-                    </a:ext>
-                  </a:extLst>
-                </a:gridCol>
-                <a:gridCol w="1467530">
-                  <a:extLst>
-                    <a:ext uri="{9D8B030D-6E8A-4147-A177-3AD203B41FA5}">
-                      <a16:colId xmlns:a16="http://schemas.microsoft.com/office/drawing/2014/main" val="1275244838"/>
-                    </a:ext>
-                  </a:extLst>
-                </a:gridCol>
-                <a:gridCol w="861256">
-                  <a:extLst>
-                    <a:ext uri="{9D8B030D-6E8A-4147-A177-3AD203B41FA5}">
-                      <a16:colId xmlns:a16="http://schemas.microsoft.com/office/drawing/2014/main" val="756553097"/>
-                    </a:ext>
-                  </a:extLst>
-                </a:gridCol>
-                <a:gridCol w="1197204">
-                  <a:extLst>
-                    <a:ext uri="{9D8B030D-6E8A-4147-A177-3AD203B41FA5}">
-                      <a16:colId xmlns:a16="http://schemas.microsoft.com/office/drawing/2014/main" val="2706363070"/>
-                    </a:ext>
-                  </a:extLst>
-                </a:gridCol>
-                <a:gridCol w="2344130">
-                  <a:extLst>
-                    <a:ext uri="{9D8B030D-6E8A-4147-A177-3AD203B41FA5}">
-                      <a16:colId xmlns:a16="http://schemas.microsoft.com/office/drawing/2014/main" val="3400004815"/>
-                    </a:ext>
-                  </a:extLst>
-                </a:gridCol>
-              </a:tblGrid>
-              <a:tr h="370840">
-                <a:tc>
-                  <a:txBody>
-                    <a:bodyPr/>
-                    <a:lstStyle/>
-                    <a:p>
-                      <a:pPr algn="ctr"/>
-                      <a:r>
-                        <a:rPr lang="zh-CN" altLang="en-US" dirty="0"/>
-                        <a:t>引脚编号</a:t>
-                      </a:r>
-                    </a:p>
-                  </a:txBody>
-                  <a:tcPr/>
-                </a:tc>
-                <a:tc>
-                  <a:txBody>
-                    <a:bodyPr/>
-                    <a:lstStyle/>
-                    <a:p>
-                      <a:pPr algn="ctr"/>
-                      <a:r>
-                        <a:rPr lang="en-US" altLang="zh-CN" dirty="0"/>
-                        <a:t>1</a:t>
-                      </a:r>
-                      <a:endParaRPr lang="zh-CN" altLang="en-US" dirty="0"/>
-                    </a:p>
-                  </a:txBody>
-                  <a:tcPr/>
-                </a:tc>
-                <a:tc>
-                  <a:txBody>
-                    <a:bodyPr/>
-                    <a:lstStyle/>
-                    <a:p>
-                      <a:pPr algn="ctr"/>
-                      <a:r>
-                        <a:rPr lang="en-US" altLang="zh-CN" dirty="0"/>
-                        <a:t>2</a:t>
-                      </a:r>
-                      <a:endParaRPr lang="zh-CN" altLang="en-US" dirty="0"/>
-                    </a:p>
-                  </a:txBody>
-                  <a:tcPr/>
-                </a:tc>
-                <a:tc>
-                  <a:txBody>
-                    <a:bodyPr/>
-                    <a:lstStyle/>
-                    <a:p>
-                      <a:pPr algn="ctr"/>
-                      <a:r>
-                        <a:rPr lang="en-US" altLang="zh-CN" dirty="0"/>
-                        <a:t>3</a:t>
-                      </a:r>
-                      <a:endParaRPr lang="zh-CN" altLang="en-US" dirty="0"/>
-                    </a:p>
-                  </a:txBody>
-                  <a:tcPr/>
-                </a:tc>
-                <a:tc>
-                  <a:txBody>
-                    <a:bodyPr/>
-                    <a:lstStyle/>
-                    <a:p>
-                      <a:pPr algn="ctr"/>
-                      <a:r>
-                        <a:rPr lang="en-US" altLang="zh-CN" dirty="0"/>
-                        <a:t>4</a:t>
-                      </a:r>
-                      <a:endParaRPr lang="zh-CN" altLang="en-US" dirty="0"/>
-                    </a:p>
-                  </a:txBody>
-                  <a:tcPr/>
-                </a:tc>
-                <a:tc>
-                  <a:txBody>
-                    <a:bodyPr/>
-                    <a:lstStyle/>
-                    <a:p>
-                      <a:pPr algn="ctr"/>
-                      <a:r>
-                        <a:rPr lang="en-US" altLang="zh-CN" dirty="0"/>
-                        <a:t>5</a:t>
-                      </a:r>
-                      <a:endParaRPr lang="zh-CN" altLang="en-US" dirty="0"/>
-                    </a:p>
-                  </a:txBody>
-                  <a:tcPr/>
-                </a:tc>
-                <a:tc>
-                  <a:txBody>
-                    <a:bodyPr/>
-                    <a:lstStyle/>
-                    <a:p>
-                      <a:pPr algn="ctr"/>
-                      <a:r>
-                        <a:rPr lang="en-US" altLang="zh-CN" dirty="0"/>
-                        <a:t>6</a:t>
-                      </a:r>
-                      <a:endParaRPr lang="zh-CN" altLang="en-US" dirty="0"/>
-                    </a:p>
-                  </a:txBody>
-                  <a:tcPr/>
-                </a:tc>
-                <a:extLst>
-                  <a:ext uri="{0D108BD9-81ED-4DB2-BD59-A6C34878D82A}">
-                    <a16:rowId xmlns:a16="http://schemas.microsoft.com/office/drawing/2014/main" val="2028632728"/>
-                  </a:ext>
-                </a:extLst>
-              </a:tr>
-              <a:tr h="370840">
-                <a:tc>
-                  <a:txBody>
-                    <a:bodyPr/>
-                    <a:lstStyle/>
-                    <a:p>
-                      <a:pPr algn="ctr"/>
-                      <a:r>
-                        <a:rPr lang="zh-CN" altLang="en-US" dirty="0"/>
-                        <a:t>数码管段编号</a:t>
-                      </a:r>
-                    </a:p>
-                  </a:txBody>
-                  <a:tcPr/>
-                </a:tc>
-                <a:tc>
-                  <a:txBody>
-                    <a:bodyPr/>
-                    <a:lstStyle/>
-                    <a:p>
-                      <a:pPr algn="ctr"/>
-                      <a:r>
-                        <a:rPr lang="en-US" altLang="zh-CN" dirty="0"/>
-                        <a:t>e</a:t>
-                      </a:r>
-                      <a:endParaRPr lang="zh-CN" altLang="en-US" dirty="0"/>
-                    </a:p>
-                  </a:txBody>
-                  <a:tcPr/>
-                </a:tc>
-                <a:tc>
-                  <a:txBody>
-                    <a:bodyPr/>
-                    <a:lstStyle/>
-                    <a:p>
-                      <a:pPr algn="ctr"/>
-                      <a:r>
-                        <a:rPr lang="en-US" altLang="zh-CN" dirty="0"/>
-                        <a:t>d</a:t>
-                      </a:r>
-                      <a:endParaRPr lang="zh-CN" altLang="en-US" dirty="0"/>
-                    </a:p>
-                  </a:txBody>
-                  <a:tcPr/>
-                </a:tc>
-                <a:tc>
-                  <a:txBody>
-                    <a:bodyPr/>
-                    <a:lstStyle/>
-                    <a:p>
-                      <a:pPr algn="ctr"/>
-                      <a:r>
-                        <a:rPr lang="en-US" altLang="zh-CN" dirty="0" err="1"/>
-                        <a:t>Dp</a:t>
-                      </a:r>
-                      <a:r>
-                        <a:rPr lang="zh-CN" altLang="en-US" dirty="0"/>
-                        <a:t>或</a:t>
-                      </a:r>
-                      <a:r>
-                        <a:rPr lang="en-US" altLang="zh-CN" dirty="0"/>
-                        <a:t>h</a:t>
-                      </a:r>
-                      <a:endParaRPr lang="zh-CN" altLang="en-US" dirty="0"/>
-                    </a:p>
-                  </a:txBody>
-                  <a:tcPr/>
-                </a:tc>
-                <a:tc>
-                  <a:txBody>
-                    <a:bodyPr/>
-                    <a:lstStyle/>
-                    <a:p>
-                      <a:pPr algn="ctr"/>
-                      <a:r>
-                        <a:rPr lang="en-US" altLang="zh-CN" dirty="0"/>
-                        <a:t>c</a:t>
-                      </a:r>
-                      <a:endParaRPr lang="zh-CN" altLang="en-US" dirty="0"/>
-                    </a:p>
-                  </a:txBody>
-                  <a:tcPr/>
-                </a:tc>
-                <a:tc>
-                  <a:txBody>
-                    <a:bodyPr/>
-                    <a:lstStyle/>
-                    <a:p>
-                      <a:pPr algn="ctr"/>
-                      <a:r>
-                        <a:rPr lang="en-US" altLang="zh-CN" dirty="0"/>
-                        <a:t>g</a:t>
-                      </a:r>
-                      <a:endParaRPr lang="zh-CN" altLang="en-US" dirty="0"/>
-                    </a:p>
-                  </a:txBody>
-                  <a:tcPr/>
-                </a:tc>
-                <a:tc>
-                  <a:txBody>
-                    <a:bodyPr/>
-                    <a:lstStyle/>
-                    <a:p>
-                      <a:pPr algn="ctr"/>
-                      <a:r>
-                        <a:rPr lang="zh-CN" altLang="en-US" dirty="0"/>
-                        <a:t>第四个</a:t>
-                      </a:r>
-                    </a:p>
-                  </a:txBody>
-                  <a:tcPr/>
-                </a:tc>
-                <a:extLst>
-                  <a:ext uri="{0D108BD9-81ED-4DB2-BD59-A6C34878D82A}">
-                    <a16:rowId xmlns:a16="http://schemas.microsoft.com/office/drawing/2014/main" val="3091359343"/>
-                  </a:ext>
-                </a:extLst>
-              </a:tr>
-              <a:tr h="370840">
-                <a:tc>
-                  <a:txBody>
-                    <a:bodyPr/>
-                    <a:lstStyle/>
-                    <a:p>
-                      <a:pPr algn="ctr"/>
-                      <a:r>
-                        <a:rPr lang="en-US" altLang="zh-CN" dirty="0"/>
-                        <a:t>Arduino</a:t>
-                      </a:r>
-                      <a:r>
-                        <a:rPr lang="zh-CN" altLang="en-US" dirty="0"/>
-                        <a:t>接口编号</a:t>
-                      </a:r>
-                    </a:p>
-                  </a:txBody>
-                  <a:tcPr/>
-                </a:tc>
-                <a:tc>
-                  <a:txBody>
-                    <a:bodyPr/>
-                    <a:lstStyle/>
-                    <a:p>
-                      <a:pPr algn="ctr"/>
-                      <a:r>
-                        <a:rPr lang="en-US" altLang="zh-CN" dirty="0"/>
-                        <a:t>5</a:t>
-                      </a:r>
-                      <a:endParaRPr lang="zh-CN" altLang="en-US" dirty="0"/>
-                    </a:p>
-                  </a:txBody>
-                  <a:tcPr/>
-                </a:tc>
-                <a:tc>
-                  <a:txBody>
-                    <a:bodyPr/>
-                    <a:lstStyle/>
-                    <a:p>
-                      <a:pPr algn="ctr"/>
-                      <a:r>
-                        <a:rPr lang="en-US" altLang="zh-CN" dirty="0"/>
-                        <a:t>4</a:t>
-                      </a:r>
-                      <a:endParaRPr lang="zh-CN" altLang="en-US" dirty="0"/>
-                    </a:p>
-                  </a:txBody>
-                  <a:tcPr/>
-                </a:tc>
-                <a:tc>
-                  <a:txBody>
-                    <a:bodyPr/>
-                    <a:lstStyle/>
-                    <a:p>
-                      <a:pPr algn="ctr"/>
-                      <a:r>
-                        <a:rPr lang="en-US" altLang="zh-CN" dirty="0"/>
-                        <a:t>8</a:t>
-                      </a:r>
-                      <a:endParaRPr lang="zh-CN" altLang="en-US" dirty="0"/>
-                    </a:p>
-                  </a:txBody>
-                  <a:tcPr/>
-                </a:tc>
-                <a:tc>
-                  <a:txBody>
-                    <a:bodyPr/>
-                    <a:lstStyle/>
-                    <a:p>
-                      <a:pPr algn="ctr"/>
-                      <a:r>
-                        <a:rPr lang="en-US" altLang="zh-CN" dirty="0"/>
-                        <a:t>3</a:t>
-                      </a:r>
-                      <a:endParaRPr lang="zh-CN" altLang="en-US" dirty="0"/>
-                    </a:p>
-                  </a:txBody>
-                  <a:tcPr/>
-                </a:tc>
-                <a:tc>
-                  <a:txBody>
-                    <a:bodyPr/>
-                    <a:lstStyle/>
-                    <a:p>
-                      <a:pPr algn="ctr"/>
-                      <a:r>
-                        <a:rPr lang="en-US" altLang="zh-CN" dirty="0"/>
-                        <a:t>7</a:t>
-                      </a:r>
-                      <a:endParaRPr lang="zh-CN" altLang="en-US" dirty="0"/>
-                    </a:p>
-                  </a:txBody>
-                  <a:tcPr/>
-                </a:tc>
-                <a:tc>
-                  <a:txBody>
-                    <a:bodyPr/>
-                    <a:lstStyle/>
-                    <a:p>
-                      <a:pPr algn="ctr"/>
-                      <a:r>
-                        <a:rPr lang="en-US" altLang="zh-CN" dirty="0"/>
-                        <a:t>12</a:t>
-                      </a:r>
-                      <a:endParaRPr lang="zh-CN" altLang="en-US" dirty="0"/>
-                    </a:p>
-                  </a:txBody>
-                  <a:tcPr/>
-                </a:tc>
-                <a:extLst>
-                  <a:ext uri="{0D108BD9-81ED-4DB2-BD59-A6C34878D82A}">
-                    <a16:rowId xmlns:a16="http://schemas.microsoft.com/office/drawing/2014/main" val="2846853192"/>
-                  </a:ext>
-                </a:extLst>
-              </a:tr>
-              <a:tr h="370840">
-                <a:tc>
-                  <a:txBody>
-                    <a:bodyPr/>
-                    <a:lstStyle/>
-                    <a:p>
-                      <a:pPr marL="0" marR="0" lvl="0" indent="0" algn="ctr" defTabSz="457200" rtl="0" eaLnBrk="1" fontAlgn="auto" latinLnBrk="0" hangingPunct="1">
-                        <a:lnSpc>
-                          <a:spcPct val="100000"/>
-                        </a:lnSpc>
-                        <a:spcBef>
-                          <a:spcPts val="0"/>
-                        </a:spcBef>
-                        <a:spcAft>
-                          <a:spcPts val="0"/>
-                        </a:spcAft>
-                        <a:buClrTx/>
-                        <a:buSzTx/>
-                        <a:buFontTx/>
-                        <a:buNone/>
-                        <a:tabLst/>
-                        <a:defRPr/>
-                      </a:pPr>
-                      <a:r>
-                        <a:rPr lang="zh-CN" altLang="en-US" dirty="0"/>
-                        <a:t>引脚编号</a:t>
-                      </a:r>
-                    </a:p>
-                  </a:txBody>
-                  <a:tcPr/>
-                </a:tc>
-                <a:tc>
-                  <a:txBody>
-                    <a:bodyPr/>
-                    <a:lstStyle/>
-                    <a:p>
-                      <a:pPr algn="ctr"/>
-                      <a:r>
-                        <a:rPr lang="en-US" altLang="zh-CN" dirty="0"/>
-                        <a:t>7</a:t>
-                      </a:r>
-                      <a:endParaRPr lang="zh-CN" altLang="en-US" dirty="0"/>
-                    </a:p>
-                  </a:txBody>
-                  <a:tcPr/>
-                </a:tc>
-                <a:tc>
-                  <a:txBody>
-                    <a:bodyPr/>
-                    <a:lstStyle/>
-                    <a:p>
-                      <a:pPr algn="ctr"/>
-                      <a:r>
-                        <a:rPr lang="en-US" altLang="zh-CN" dirty="0"/>
-                        <a:t>8</a:t>
-                      </a:r>
-                      <a:endParaRPr lang="zh-CN" altLang="en-US" dirty="0"/>
-                    </a:p>
-                  </a:txBody>
-                  <a:tcPr/>
-                </a:tc>
-                <a:tc>
-                  <a:txBody>
-                    <a:bodyPr/>
-                    <a:lstStyle/>
-                    <a:p>
-                      <a:pPr algn="ctr"/>
-                      <a:r>
-                        <a:rPr lang="en-US" altLang="zh-CN" dirty="0"/>
-                        <a:t>9</a:t>
-                      </a:r>
-                      <a:endParaRPr lang="zh-CN" altLang="en-US" dirty="0"/>
-                    </a:p>
-                  </a:txBody>
-                  <a:tcPr/>
-                </a:tc>
-                <a:tc>
-                  <a:txBody>
-                    <a:bodyPr/>
-                    <a:lstStyle/>
-                    <a:p>
-                      <a:pPr algn="ctr"/>
-                      <a:r>
-                        <a:rPr lang="en-US" altLang="zh-CN" dirty="0"/>
-                        <a:t>10</a:t>
-                      </a:r>
-                      <a:endParaRPr lang="zh-CN" altLang="en-US" dirty="0"/>
-                    </a:p>
-                  </a:txBody>
-                  <a:tcPr/>
-                </a:tc>
-                <a:tc>
-                  <a:txBody>
-                    <a:bodyPr/>
-                    <a:lstStyle/>
-                    <a:p>
-                      <a:pPr algn="ctr"/>
-                      <a:r>
-                        <a:rPr lang="en-US" altLang="zh-CN" dirty="0"/>
-                        <a:t>11</a:t>
-                      </a:r>
-                      <a:endParaRPr lang="zh-CN" altLang="en-US" dirty="0"/>
-                    </a:p>
-                  </a:txBody>
-                  <a:tcPr/>
-                </a:tc>
-                <a:tc>
-                  <a:txBody>
-                    <a:bodyPr/>
-                    <a:lstStyle/>
-                    <a:p>
-                      <a:pPr algn="ctr"/>
-                      <a:r>
-                        <a:rPr lang="en-US" altLang="zh-CN" dirty="0"/>
-                        <a:t>12</a:t>
-                      </a:r>
-                      <a:endParaRPr lang="zh-CN" altLang="en-US" dirty="0"/>
-                    </a:p>
-                  </a:txBody>
-                  <a:tcPr/>
-                </a:tc>
-                <a:extLst>
-                  <a:ext uri="{0D108BD9-81ED-4DB2-BD59-A6C34878D82A}">
-                    <a16:rowId xmlns:a16="http://schemas.microsoft.com/office/drawing/2014/main" val="4050218715"/>
-                  </a:ext>
-                </a:extLst>
-              </a:tr>
-              <a:tr h="370840">
-                <a:tc>
-                  <a:txBody>
-                    <a:bodyPr/>
-                    <a:lstStyle/>
-                    <a:p>
-                      <a:pPr marL="0" marR="0" lvl="0" indent="0" algn="ctr" defTabSz="457200" rtl="0" eaLnBrk="1" fontAlgn="auto" latinLnBrk="0" hangingPunct="1">
-                        <a:lnSpc>
-                          <a:spcPct val="100000"/>
-                        </a:lnSpc>
-                        <a:spcBef>
-                          <a:spcPts val="0"/>
-                        </a:spcBef>
-                        <a:spcAft>
-                          <a:spcPts val="0"/>
-                        </a:spcAft>
-                        <a:buClrTx/>
-                        <a:buSzTx/>
-                        <a:buFontTx/>
-                        <a:buNone/>
-                        <a:tabLst/>
-                        <a:defRPr/>
-                      </a:pPr>
-                      <a:r>
-                        <a:rPr lang="zh-CN" altLang="en-US" dirty="0"/>
-                        <a:t>数码管段编号</a:t>
-                      </a:r>
-                    </a:p>
-                  </a:txBody>
-                  <a:tcPr/>
-                </a:tc>
-                <a:tc>
-                  <a:txBody>
-                    <a:bodyPr/>
-                    <a:lstStyle/>
-                    <a:p>
-                      <a:pPr algn="ctr"/>
-                      <a:r>
-                        <a:rPr lang="en-US" altLang="zh-CN" dirty="0"/>
-                        <a:t>b</a:t>
-                      </a:r>
-                      <a:endParaRPr lang="zh-CN" altLang="en-US" dirty="0"/>
-                    </a:p>
-                  </a:txBody>
-                  <a:tcPr/>
-                </a:tc>
-                <a:tc>
-                  <a:txBody>
-                    <a:bodyPr/>
-                    <a:lstStyle/>
-                    <a:p>
-                      <a:pPr algn="ctr"/>
-                      <a:r>
-                        <a:rPr lang="zh-CN" altLang="en-US" dirty="0"/>
-                        <a:t>第三个</a:t>
-                      </a:r>
-                    </a:p>
-                  </a:txBody>
-                  <a:tcPr/>
-                </a:tc>
-                <a:tc>
-                  <a:txBody>
-                    <a:bodyPr/>
-                    <a:lstStyle/>
-                    <a:p>
-                      <a:pPr algn="ctr"/>
-                      <a:r>
-                        <a:rPr lang="zh-CN" altLang="en-US" dirty="0"/>
-                        <a:t>第二个</a:t>
-                      </a:r>
-                    </a:p>
-                  </a:txBody>
-                  <a:tcPr/>
-                </a:tc>
-                <a:tc>
-                  <a:txBody>
-                    <a:bodyPr/>
-                    <a:lstStyle/>
-                    <a:p>
-                      <a:pPr algn="ctr"/>
-                      <a:r>
-                        <a:rPr lang="en-US" altLang="zh-CN" dirty="0"/>
-                        <a:t>f</a:t>
-                      </a:r>
-                      <a:endParaRPr lang="zh-CN" altLang="en-US" dirty="0"/>
-                    </a:p>
-                  </a:txBody>
-                  <a:tcPr/>
-                </a:tc>
-                <a:tc>
-                  <a:txBody>
-                    <a:bodyPr/>
-                    <a:lstStyle/>
-                    <a:p>
-                      <a:pPr algn="ctr"/>
-                      <a:r>
-                        <a:rPr lang="en-US" altLang="zh-CN" dirty="0"/>
-                        <a:t>a</a:t>
-                      </a:r>
-                      <a:endParaRPr lang="zh-CN" altLang="en-US" dirty="0"/>
-                    </a:p>
-                  </a:txBody>
-                  <a:tcPr/>
-                </a:tc>
-                <a:tc>
-                  <a:txBody>
-                    <a:bodyPr/>
-                    <a:lstStyle/>
-                    <a:p>
-                      <a:pPr algn="ctr"/>
-                      <a:r>
-                        <a:rPr lang="zh-CN" altLang="en-US" dirty="0"/>
-                        <a:t>第一个</a:t>
-                      </a:r>
-                    </a:p>
-                  </a:txBody>
-                  <a:tcPr/>
-                </a:tc>
-                <a:extLst>
-                  <a:ext uri="{0D108BD9-81ED-4DB2-BD59-A6C34878D82A}">
-                    <a16:rowId xmlns:a16="http://schemas.microsoft.com/office/drawing/2014/main" val="2863407128"/>
-                  </a:ext>
-                </a:extLst>
-              </a:tr>
-              <a:tr h="370840">
-                <a:tc>
-                  <a:txBody>
-                    <a:bodyPr/>
-                    <a:lstStyle/>
-                    <a:p>
-                      <a:pPr marL="0" marR="0" lvl="0" indent="0" algn="ctr" defTabSz="457200" rtl="0" eaLnBrk="1" fontAlgn="auto" latinLnBrk="0" hangingPunct="1">
-                        <a:lnSpc>
-                          <a:spcPct val="100000"/>
-                        </a:lnSpc>
-                        <a:spcBef>
-                          <a:spcPts val="0"/>
-                        </a:spcBef>
-                        <a:spcAft>
-                          <a:spcPts val="0"/>
-                        </a:spcAft>
-                        <a:buClrTx/>
-                        <a:buSzTx/>
-                        <a:buFontTx/>
-                        <a:buNone/>
-                        <a:tabLst/>
-                        <a:defRPr/>
-                      </a:pPr>
-                      <a:r>
-                        <a:rPr lang="en-US" altLang="zh-CN" dirty="0"/>
-                        <a:t>Arduino</a:t>
-                      </a:r>
-                      <a:r>
-                        <a:rPr lang="zh-CN" altLang="en-US" dirty="0"/>
-                        <a:t>接口编号</a:t>
-                      </a:r>
-                    </a:p>
-                  </a:txBody>
-                  <a:tcPr/>
-                </a:tc>
-                <a:tc>
-                  <a:txBody>
-                    <a:bodyPr/>
-                    <a:lstStyle/>
-                    <a:p>
-                      <a:pPr algn="ctr"/>
-                      <a:r>
-                        <a:rPr lang="en-US" altLang="zh-CN" dirty="0"/>
-                        <a:t>2</a:t>
-                      </a:r>
-                      <a:endParaRPr lang="zh-CN" altLang="en-US" dirty="0"/>
-                    </a:p>
-                  </a:txBody>
-                  <a:tcPr/>
-                </a:tc>
-                <a:tc>
-                  <a:txBody>
-                    <a:bodyPr/>
-                    <a:lstStyle/>
-                    <a:p>
-                      <a:pPr algn="ctr"/>
-                      <a:r>
-                        <a:rPr lang="en-US" altLang="zh-CN" dirty="0"/>
-                        <a:t>11</a:t>
-                      </a:r>
-                      <a:endParaRPr lang="zh-CN" altLang="en-US" dirty="0"/>
-                    </a:p>
-                  </a:txBody>
-                  <a:tcPr/>
-                </a:tc>
-                <a:tc>
-                  <a:txBody>
-                    <a:bodyPr/>
-                    <a:lstStyle/>
-                    <a:p>
-                      <a:pPr algn="ctr"/>
-                      <a:r>
-                        <a:rPr lang="en-US" altLang="zh-CN" dirty="0"/>
-                        <a:t>10</a:t>
-                      </a:r>
-                      <a:endParaRPr lang="zh-CN" altLang="en-US" dirty="0"/>
-                    </a:p>
-                  </a:txBody>
-                  <a:tcPr/>
-                </a:tc>
-                <a:tc>
-                  <a:txBody>
-                    <a:bodyPr/>
-                    <a:lstStyle/>
-                    <a:p>
-                      <a:pPr algn="ctr"/>
-                      <a:r>
-                        <a:rPr lang="en-US" altLang="zh-CN" dirty="0"/>
-                        <a:t>6</a:t>
-                      </a:r>
-                      <a:endParaRPr lang="zh-CN" altLang="en-US" dirty="0"/>
-                    </a:p>
-                  </a:txBody>
-                  <a:tcPr/>
-                </a:tc>
-                <a:tc>
-                  <a:txBody>
-                    <a:bodyPr/>
-                    <a:lstStyle/>
-                    <a:p>
-                      <a:pPr algn="ctr"/>
-                      <a:r>
-                        <a:rPr lang="en-US" altLang="zh-CN" dirty="0"/>
-                        <a:t>1</a:t>
-                      </a:r>
-                      <a:endParaRPr lang="zh-CN" altLang="en-US" dirty="0"/>
-                    </a:p>
-                  </a:txBody>
-                  <a:tcPr/>
-                </a:tc>
-                <a:tc>
-                  <a:txBody>
-                    <a:bodyPr/>
-                    <a:lstStyle/>
-                    <a:p>
-                      <a:pPr algn="ctr"/>
-                      <a:r>
-                        <a:rPr lang="en-US" altLang="zh-CN" dirty="0"/>
-                        <a:t>9</a:t>
-                      </a:r>
-                      <a:endParaRPr lang="zh-CN" altLang="en-US" dirty="0"/>
-                    </a:p>
-                  </a:txBody>
-                  <a:tcPr/>
-                </a:tc>
-                <a:extLst>
-                  <a:ext uri="{0D108BD9-81ED-4DB2-BD59-A6C34878D82A}">
-                    <a16:rowId xmlns:a16="http://schemas.microsoft.com/office/drawing/2014/main" val="1529109697"/>
-                  </a:ext>
-                </a:extLst>
-              </a:tr>
-            </a:tbl>
-          </a:graphicData>
-        </a:graphic>
-      </p:graphicFrame>
-    </p:spTree>
-    <p:extLst>
-      <p:ext uri="{BB962C8B-B14F-4D97-AF65-F5344CB8AC3E}">
-        <p14:creationId xmlns:p14="http://schemas.microsoft.com/office/powerpoint/2010/main" val="2873016149"/>
-      </p:ext>
-    </p:extLst>
-  </p:cSld>
-  <p:clrMapOvr>
-    <a:masterClrMapping/>
-  </p:clrMapOvr>
-  <mc:AlternateContent xmlns:mc="http://schemas.openxmlformats.org/markup-compatibility/2006" xmlns:p14="http://schemas.microsoft.com/office/powerpoint/2010/main">
-    <mc:Choice Requires="p14">
-      <p:transition spd="slow" p14:dur="1250">
-        <p:push dir="u"/>
-      </p:transition>
-    </mc:Choice>
-    <mc:Fallback xmlns="">
-      <p:transition spd="slow">
-        <p:push dir="u"/>
-      </p:transition>
-    </mc:Fallback>
-  </mc:AlternateContent>
-</p:sld>
-</file>
-
-<file path=ppt/slides/slide16.xml><?xml version="1.0" encoding="utf-8"?>
-<p:sld xmlns:a="http://schemas.openxmlformats.org/drawingml/2006/main" xmlns:r="http://schemas.openxmlformats.org/officeDocument/2006/relationships" xmlns:p="http://schemas.openxmlformats.org/presentationml/2006/main">
-  <p:cSld>
-    <p:spTree>
-      <p:nvGrpSpPr>
-        <p:cNvPr id="1" name=""/>
-        <p:cNvGrpSpPr/>
-        <p:nvPr/>
-      </p:nvGrpSpPr>
-      <p:grpSpPr>
-        <a:xfrm>
-          <a:off x="0" y="0"/>
-          <a:ext cx="0" cy="0"/>
-          <a:chOff x="0" y="0"/>
-          <a:chExt cx="0" cy="0"/>
-        </a:xfrm>
-      </p:grpSpPr>
-      <p:sp>
-        <p:nvSpPr>
-          <p:cNvPr id="2" name="标题 1">
-            <a:extLst>
-              <a:ext uri="{FF2B5EF4-FFF2-40B4-BE49-F238E27FC236}">
-                <a16:creationId xmlns:a16="http://schemas.microsoft.com/office/drawing/2014/main" id="{CAA9E7EF-D3EC-448A-8AD0-E1DBD1ED77E2}"/>
-              </a:ext>
-            </a:extLst>
-          </p:cNvPr>
-          <p:cNvSpPr>
-            <a:spLocks noGrp="1"/>
-          </p:cNvSpPr>
-          <p:nvPr>
-            <p:ph type="title"/>
-          </p:nvPr>
-        </p:nvSpPr>
-        <p:spPr/>
-        <p:txBody>
-          <a:bodyPr/>
-          <a:lstStyle/>
-          <a:p>
-            <a:pPr algn="ctr"/>
-            <a:r>
-              <a:rPr lang="zh-CN" altLang="en-US" dirty="0"/>
-              <a:t>实验</a:t>
-            </a:r>
-            <a:r>
-              <a:rPr lang="en-US" altLang="zh-CN" dirty="0"/>
-              <a:t>8</a:t>
-            </a:r>
-            <a:r>
-              <a:rPr lang="zh-CN" altLang="en-US" dirty="0"/>
-              <a:t>：实现</a:t>
-            </a:r>
-            <a:r>
-              <a:rPr lang="en-US" altLang="zh-CN" dirty="0"/>
-              <a:t>0-9999</a:t>
-            </a:r>
-            <a:r>
-              <a:rPr lang="zh-CN" altLang="en-US" dirty="0"/>
-              <a:t>计数</a:t>
-            </a:r>
-          </a:p>
-        </p:txBody>
-      </p:sp>
-      <p:sp>
-        <p:nvSpPr>
-          <p:cNvPr id="3" name="内容占位符 2">
-            <a:extLst>
-              <a:ext uri="{FF2B5EF4-FFF2-40B4-BE49-F238E27FC236}">
-                <a16:creationId xmlns:a16="http://schemas.microsoft.com/office/drawing/2014/main" id="{ED9D17B5-7221-4864-B916-5360BB589D2E}"/>
-              </a:ext>
-            </a:extLst>
-          </p:cNvPr>
-          <p:cNvSpPr>
-            <a:spLocks noGrp="1"/>
-          </p:cNvSpPr>
-          <p:nvPr>
-            <p:ph idx="1"/>
-          </p:nvPr>
-        </p:nvSpPr>
-        <p:spPr/>
-        <p:txBody>
-          <a:bodyPr/>
-          <a:lstStyle/>
-          <a:p>
-            <a:r>
-              <a:rPr lang="zh-CN" altLang="en-US" dirty="0"/>
-              <a:t>利用四位数码管实现</a:t>
-            </a:r>
-            <a:r>
-              <a:rPr lang="en-US" altLang="zh-CN" dirty="0"/>
-              <a:t>0-9999</a:t>
-            </a:r>
-            <a:r>
-              <a:rPr lang="zh-CN" altLang="en-US" dirty="0"/>
-              <a:t>计数</a:t>
-            </a:r>
-          </a:p>
-        </p:txBody>
-      </p:sp>
-      <p:pic>
-        <p:nvPicPr>
-          <p:cNvPr id="7" name="图片 6">
-            <a:extLst>
-              <a:ext uri="{FF2B5EF4-FFF2-40B4-BE49-F238E27FC236}">
-                <a16:creationId xmlns:a16="http://schemas.microsoft.com/office/drawing/2014/main" id="{1A217689-B0F2-47F5-832D-48B1292E8AE3}"/>
+                <a16:creationId xmlns:a16="http://schemas.microsoft.com/office/drawing/2014/main" id="{E3CF989D-6B4D-01CF-F958-6BF9E9412B0F}"/>
               </a:ext>
             </a:extLst>
           </p:cNvPr>
@@ -8539,15 +7094,15 @@
           <p:nvPr/>
         </p:nvPicPr>
         <p:blipFill>
-          <a:blip r:embed="rId2"/>
+          <a:blip r:embed="rId4"/>
           <a:stretch>
             <a:fillRect/>
           </a:stretch>
         </p:blipFill>
         <p:spPr>
           <a:xfrm>
-            <a:off x="7756902" y="2440799"/>
-            <a:ext cx="2690765" cy="3960000"/>
+            <a:off x="6877686" y="7620"/>
+            <a:ext cx="3772535" cy="673100"/>
           </a:xfrm>
           <a:prstGeom prst="rect">
             <a:avLst/>
@@ -8557,875 +7112,7 @@
     </p:spTree>
     <p:extLst>
       <p:ext uri="{BB962C8B-B14F-4D97-AF65-F5344CB8AC3E}">
-        <p14:creationId xmlns:p14="http://schemas.microsoft.com/office/powerpoint/2010/main" val="927317792"/>
-      </p:ext>
-    </p:extLst>
-  </p:cSld>
-  <p:clrMapOvr>
-    <a:masterClrMapping/>
-  </p:clrMapOvr>
-  <mc:AlternateContent xmlns:mc="http://schemas.openxmlformats.org/markup-compatibility/2006" xmlns:p14="http://schemas.microsoft.com/office/powerpoint/2010/main">
-    <mc:Choice Requires="p14">
-      <p:transition spd="slow" p14:dur="1250">
-        <p:push dir="u"/>
-      </p:transition>
-    </mc:Choice>
-    <mc:Fallback xmlns="">
-      <p:transition spd="slow">
-        <p:push dir="u"/>
-      </p:transition>
-    </mc:Fallback>
-  </mc:AlternateContent>
-</p:sld>
-</file>
-
-<file path=ppt/slides/slide17.xml><?xml version="1.0" encoding="utf-8"?>
-<p:sld xmlns:a="http://schemas.openxmlformats.org/drawingml/2006/main" xmlns:r="http://schemas.openxmlformats.org/officeDocument/2006/relationships" xmlns:p="http://schemas.openxmlformats.org/presentationml/2006/main">
-  <p:cSld>
-    <p:spTree>
-      <p:nvGrpSpPr>
-        <p:cNvPr id="1" name=""/>
-        <p:cNvGrpSpPr/>
-        <p:nvPr/>
-      </p:nvGrpSpPr>
-      <p:grpSpPr>
-        <a:xfrm>
-          <a:off x="0" y="0"/>
-          <a:ext cx="0" cy="0"/>
-          <a:chOff x="0" y="0"/>
-          <a:chExt cx="0" cy="0"/>
-        </a:xfrm>
-      </p:grpSpPr>
-      <p:sp>
-        <p:nvSpPr>
-          <p:cNvPr id="2" name="标题 1">
-            <a:extLst>
-              <a:ext uri="{FF2B5EF4-FFF2-40B4-BE49-F238E27FC236}">
-                <a16:creationId xmlns:a16="http://schemas.microsoft.com/office/drawing/2014/main" id="{9D9721DE-FBA1-4D22-A46A-EB8021707A9D}"/>
-              </a:ext>
-            </a:extLst>
-          </p:cNvPr>
-          <p:cNvSpPr>
-            <a:spLocks noGrp="1"/>
-          </p:cNvSpPr>
-          <p:nvPr>
-            <p:ph type="title"/>
-          </p:nvPr>
-        </p:nvSpPr>
-        <p:spPr/>
-        <p:txBody>
-          <a:bodyPr/>
-          <a:lstStyle/>
-          <a:p>
-            <a:pPr algn="ctr"/>
-            <a:r>
-              <a:rPr lang="en-US" altLang="zh-CN" dirty="0"/>
-              <a:t>LCD1602</a:t>
-            </a:r>
-            <a:endParaRPr lang="zh-CN" altLang="en-US" dirty="0"/>
-          </a:p>
-        </p:txBody>
-      </p:sp>
-      <p:sp>
-        <p:nvSpPr>
-          <p:cNvPr id="3" name="内容占位符 2">
-            <a:extLst>
-              <a:ext uri="{FF2B5EF4-FFF2-40B4-BE49-F238E27FC236}">
-                <a16:creationId xmlns:a16="http://schemas.microsoft.com/office/drawing/2014/main" id="{B5F7D701-B11E-40AF-B0BF-7455B4C376D5}"/>
-              </a:ext>
-            </a:extLst>
-          </p:cNvPr>
-          <p:cNvSpPr>
-            <a:spLocks noGrp="1"/>
-          </p:cNvSpPr>
-          <p:nvPr>
-            <p:ph idx="1"/>
-          </p:nvPr>
-        </p:nvSpPr>
-        <p:spPr/>
-        <p:txBody>
-          <a:bodyPr>
-            <a:normAutofit fontScale="92500" lnSpcReduction="20000"/>
-          </a:bodyPr>
-          <a:lstStyle/>
-          <a:p>
-            <a:r>
-              <a:rPr lang="zh-CN" altLang="en-US" dirty="0"/>
-              <a:t>通过</a:t>
-            </a:r>
-            <a:r>
-              <a:rPr lang="en-US" altLang="zh-CN" dirty="0"/>
-              <a:t>Arduino</a:t>
-            </a:r>
-            <a:r>
-              <a:rPr lang="zh-CN" altLang="en-US" dirty="0"/>
-              <a:t>直接驱动</a:t>
-            </a:r>
-            <a:r>
-              <a:rPr lang="en-US" altLang="zh-CN" dirty="0"/>
-              <a:t>LCD1602</a:t>
-            </a:r>
-            <a:r>
-              <a:rPr lang="zh-CN" altLang="en-US" dirty="0"/>
-              <a:t>液晶显示文字。</a:t>
-            </a:r>
-            <a:r>
-              <a:rPr lang="en-US" altLang="zh-CN" dirty="0"/>
-              <a:t>LCD1602</a:t>
-            </a:r>
-            <a:r>
-              <a:rPr lang="zh-CN" altLang="en-US" dirty="0"/>
-              <a:t>液晶在应用中非常广泛，最初的</a:t>
-            </a:r>
-            <a:r>
-              <a:rPr lang="en-US" altLang="zh-CN" dirty="0"/>
-              <a:t>1602</a:t>
-            </a:r>
-            <a:r>
-              <a:rPr lang="zh-CN" altLang="en-US" dirty="0"/>
-              <a:t>液晶使用的是</a:t>
-            </a:r>
-            <a:r>
-              <a:rPr lang="en-US" altLang="zh-CN" dirty="0"/>
-              <a:t>HD44780</a:t>
-            </a:r>
-            <a:r>
-              <a:rPr lang="zh-CN" altLang="en-US" dirty="0"/>
-              <a:t>控制器，现在各个厂家的</a:t>
-            </a:r>
-            <a:r>
-              <a:rPr lang="en-US" altLang="zh-CN" dirty="0"/>
-              <a:t>1602</a:t>
-            </a:r>
-            <a:r>
-              <a:rPr lang="zh-CN" altLang="en-US" dirty="0"/>
-              <a:t>模块基本上都是采用了与之兼容的</a:t>
-            </a:r>
-            <a:r>
-              <a:rPr lang="en-US" altLang="zh-CN" dirty="0"/>
-              <a:t>IC</a:t>
-            </a:r>
-            <a:r>
-              <a:rPr lang="zh-CN" altLang="en-US" dirty="0"/>
-              <a:t>，所以特性上基本都是一致的。</a:t>
-            </a:r>
-            <a:endParaRPr lang="en-US" altLang="zh-CN" dirty="0"/>
-          </a:p>
-          <a:p>
-            <a:r>
-              <a:rPr lang="en-US" altLang="zh-CN" b="1" dirty="0"/>
-              <a:t>1602LCD</a:t>
-            </a:r>
-            <a:r>
-              <a:rPr lang="zh-CN" altLang="zh-CN" b="1" dirty="0"/>
-              <a:t>主要技术参数</a:t>
-            </a:r>
-            <a:r>
-              <a:rPr lang="en-US" altLang="zh-CN" b="1" dirty="0"/>
-              <a:t>:</a:t>
-            </a:r>
-          </a:p>
-          <a:p>
-            <a:pPr marL="914400" lvl="1" indent="-457200">
-              <a:buFont typeface="+mj-lt"/>
-              <a:buAutoNum type="arabicPeriod"/>
-            </a:pPr>
-            <a:r>
-              <a:rPr lang="zh-CN" altLang="zh-CN" dirty="0"/>
-              <a:t>显示容量为</a:t>
-            </a:r>
-            <a:r>
-              <a:rPr lang="en-US" altLang="zh-CN" dirty="0"/>
-              <a:t>16</a:t>
-            </a:r>
-            <a:r>
-              <a:rPr lang="zh-CN" altLang="zh-CN" dirty="0"/>
-              <a:t>×</a:t>
-            </a:r>
-            <a:r>
-              <a:rPr lang="en-US" altLang="zh-CN" dirty="0"/>
-              <a:t>2</a:t>
-            </a:r>
-            <a:r>
-              <a:rPr lang="zh-CN" altLang="zh-CN" dirty="0"/>
-              <a:t>个字符；</a:t>
-            </a:r>
-            <a:endParaRPr lang="en-US" altLang="zh-CN" dirty="0"/>
-          </a:p>
-          <a:p>
-            <a:pPr marL="914400" lvl="1" indent="-457200">
-              <a:buFont typeface="+mj-lt"/>
-              <a:buAutoNum type="arabicPeriod"/>
-            </a:pPr>
-            <a:r>
-              <a:rPr lang="zh-CN" altLang="zh-CN" dirty="0"/>
-              <a:t>芯片工作电压为</a:t>
-            </a:r>
-            <a:r>
-              <a:rPr lang="en-US" altLang="zh-CN" dirty="0"/>
-              <a:t>4.5</a:t>
-            </a:r>
-            <a:r>
-              <a:rPr lang="zh-CN" altLang="zh-CN" dirty="0"/>
-              <a:t>～</a:t>
-            </a:r>
-            <a:r>
-              <a:rPr lang="en-US" altLang="zh-CN" dirty="0"/>
-              <a:t>5.5V</a:t>
-            </a:r>
-          </a:p>
-          <a:p>
-            <a:pPr marL="914400" lvl="1" indent="-457200">
-              <a:buFont typeface="+mj-lt"/>
-              <a:buAutoNum type="arabicPeriod"/>
-            </a:pPr>
-            <a:r>
-              <a:rPr lang="zh-CN" altLang="zh-CN" dirty="0"/>
-              <a:t>工作电流为</a:t>
-            </a:r>
-            <a:r>
-              <a:rPr lang="en-US" altLang="zh-CN" dirty="0"/>
-              <a:t>2.0mA</a:t>
-            </a:r>
-            <a:r>
-              <a:rPr lang="zh-CN" altLang="zh-CN" dirty="0"/>
-              <a:t>（</a:t>
-            </a:r>
-            <a:r>
-              <a:rPr lang="en-US" altLang="zh-CN" dirty="0"/>
-              <a:t>5.0V</a:t>
-            </a:r>
-            <a:r>
-              <a:rPr lang="zh-CN" altLang="en-US" dirty="0"/>
-              <a:t>）</a:t>
-            </a:r>
-            <a:endParaRPr lang="en-US" altLang="zh-CN" dirty="0"/>
-          </a:p>
-          <a:p>
-            <a:pPr marL="914400" lvl="1" indent="-457200">
-              <a:buFont typeface="+mj-lt"/>
-              <a:buAutoNum type="arabicPeriod"/>
-            </a:pPr>
-            <a:r>
-              <a:rPr lang="zh-CN" altLang="zh-CN" dirty="0"/>
-              <a:t>模块最佳工作电压为</a:t>
-            </a:r>
-            <a:r>
-              <a:rPr lang="en-US" altLang="zh-CN" dirty="0"/>
-              <a:t>5.0V</a:t>
-            </a:r>
-          </a:p>
-          <a:p>
-            <a:pPr marL="914400" lvl="1" indent="-457200">
-              <a:buFont typeface="+mj-lt"/>
-              <a:buAutoNum type="arabicPeriod"/>
-            </a:pPr>
-            <a:r>
-              <a:rPr lang="zh-CN" altLang="zh-CN" dirty="0"/>
-              <a:t>字符尺寸为</a:t>
-            </a:r>
-            <a:r>
-              <a:rPr lang="en-US" altLang="zh-CN" dirty="0"/>
-              <a:t>2.95×4.35</a:t>
-            </a:r>
-            <a:r>
-              <a:rPr lang="zh-CN" altLang="zh-CN" dirty="0"/>
-              <a:t>（</a:t>
-            </a:r>
-            <a:r>
-              <a:rPr lang="en-US" altLang="zh-CN" dirty="0"/>
-              <a:t>W×H</a:t>
-            </a:r>
-            <a:r>
-              <a:rPr lang="zh-CN" altLang="zh-CN" dirty="0"/>
-              <a:t>）</a:t>
-            </a:r>
-            <a:r>
-              <a:rPr lang="en-US" altLang="zh-CN" dirty="0"/>
-              <a:t>mm</a:t>
-            </a:r>
-            <a:endParaRPr lang="zh-CN" altLang="en-US" dirty="0"/>
-          </a:p>
-        </p:txBody>
-      </p:sp>
-    </p:spTree>
-    <p:extLst>
-      <p:ext uri="{BB962C8B-B14F-4D97-AF65-F5344CB8AC3E}">
-        <p14:creationId xmlns:p14="http://schemas.microsoft.com/office/powerpoint/2010/main" val="3148319796"/>
-      </p:ext>
-    </p:extLst>
-  </p:cSld>
-  <p:clrMapOvr>
-    <a:masterClrMapping/>
-  </p:clrMapOvr>
-  <mc:AlternateContent xmlns:mc="http://schemas.openxmlformats.org/markup-compatibility/2006" xmlns:p14="http://schemas.microsoft.com/office/powerpoint/2010/main">
-    <mc:Choice Requires="p14">
-      <p:transition spd="slow" p14:dur="1250">
-        <p:push dir="u"/>
-      </p:transition>
-    </mc:Choice>
-    <mc:Fallback xmlns="">
-      <p:transition spd="slow">
-        <p:push dir="u"/>
-      </p:transition>
-    </mc:Fallback>
-  </mc:AlternateContent>
-</p:sld>
-</file>
-
-<file path=ppt/slides/slide18.xml><?xml version="1.0" encoding="utf-8"?>
-<p:sld xmlns:a="http://schemas.openxmlformats.org/drawingml/2006/main" xmlns:r="http://schemas.openxmlformats.org/officeDocument/2006/relationships" xmlns:p="http://schemas.openxmlformats.org/presentationml/2006/main">
-  <p:cSld>
-    <p:spTree>
-      <p:nvGrpSpPr>
-        <p:cNvPr id="1" name=""/>
-        <p:cNvGrpSpPr/>
-        <p:nvPr/>
-      </p:nvGrpSpPr>
-      <p:grpSpPr>
-        <a:xfrm>
-          <a:off x="0" y="0"/>
-          <a:ext cx="0" cy="0"/>
-          <a:chOff x="0" y="0"/>
-          <a:chExt cx="0" cy="0"/>
-        </a:xfrm>
-      </p:grpSpPr>
-      <p:sp>
-        <p:nvSpPr>
-          <p:cNvPr id="2" name="标题 1">
-            <a:extLst>
-              <a:ext uri="{FF2B5EF4-FFF2-40B4-BE49-F238E27FC236}">
-                <a16:creationId xmlns:a16="http://schemas.microsoft.com/office/drawing/2014/main" id="{941A2B55-6E3B-4FC5-86DF-0775969C1676}"/>
-              </a:ext>
-            </a:extLst>
-          </p:cNvPr>
-          <p:cNvSpPr>
-            <a:spLocks noGrp="1"/>
-          </p:cNvSpPr>
-          <p:nvPr>
-            <p:ph type="title"/>
-          </p:nvPr>
-        </p:nvSpPr>
-        <p:spPr/>
-        <p:txBody>
-          <a:bodyPr/>
-          <a:lstStyle/>
-          <a:p>
-            <a:pPr algn="ctr"/>
-            <a:r>
-              <a:rPr lang="en-US" altLang="zh-CN" dirty="0"/>
-              <a:t>LCD1602</a:t>
-            </a:r>
-            <a:r>
-              <a:rPr lang="zh-CN" altLang="en-US" dirty="0"/>
-              <a:t>引脚定义</a:t>
-            </a:r>
-          </a:p>
-        </p:txBody>
-      </p:sp>
-      <p:pic>
-        <p:nvPicPr>
-          <p:cNvPr id="4" name="内容占位符 3" descr="202127j99s15xj193lfe0l">
-            <a:extLst>
-              <a:ext uri="{FF2B5EF4-FFF2-40B4-BE49-F238E27FC236}">
-                <a16:creationId xmlns:a16="http://schemas.microsoft.com/office/drawing/2014/main" id="{E6B3CC60-68F6-45E9-9F3A-9EC660EB21F9}"/>
-              </a:ext>
-            </a:extLst>
-          </p:cNvPr>
-          <p:cNvPicPr>
-            <a:picLocks noGrp="1"/>
-          </p:cNvPicPr>
-          <p:nvPr>
-            <p:ph idx="1"/>
-          </p:nvPr>
-        </p:nvPicPr>
-        <p:blipFill>
-          <a:blip r:embed="rId2"/>
-          <a:stretch>
-            <a:fillRect/>
-          </a:stretch>
-        </p:blipFill>
-        <p:spPr>
-          <a:xfrm>
-            <a:off x="2757477" y="2667000"/>
-            <a:ext cx="7377134" cy="3332163"/>
-          </a:xfrm>
-          <a:prstGeom prst="rect">
-            <a:avLst/>
-          </a:prstGeom>
-          <a:noFill/>
-          <a:ln w="9525">
-            <a:noFill/>
-          </a:ln>
-        </p:spPr>
-      </p:pic>
-    </p:spTree>
-    <p:extLst>
-      <p:ext uri="{BB962C8B-B14F-4D97-AF65-F5344CB8AC3E}">
-        <p14:creationId xmlns:p14="http://schemas.microsoft.com/office/powerpoint/2010/main" val="4139613157"/>
-      </p:ext>
-    </p:extLst>
-  </p:cSld>
-  <p:clrMapOvr>
-    <a:masterClrMapping/>
-  </p:clrMapOvr>
-  <mc:AlternateContent xmlns:mc="http://schemas.openxmlformats.org/markup-compatibility/2006" xmlns:p14="http://schemas.microsoft.com/office/powerpoint/2010/main">
-    <mc:Choice Requires="p14">
-      <p:transition spd="slow" p14:dur="1250">
-        <p:push dir="u"/>
-      </p:transition>
-    </mc:Choice>
-    <mc:Fallback xmlns="">
-      <p:transition spd="slow">
-        <p:push dir="u"/>
-      </p:transition>
-    </mc:Fallback>
-  </mc:AlternateContent>
-</p:sld>
-</file>
-
-<file path=ppt/slides/slide19.xml><?xml version="1.0" encoding="utf-8"?>
-<p:sld xmlns:a="http://schemas.openxmlformats.org/drawingml/2006/main" xmlns:r="http://schemas.openxmlformats.org/officeDocument/2006/relationships" xmlns:p="http://schemas.openxmlformats.org/presentationml/2006/main">
-  <p:cSld>
-    <p:spTree>
-      <p:nvGrpSpPr>
-        <p:cNvPr id="1" name=""/>
-        <p:cNvGrpSpPr/>
-        <p:nvPr/>
-      </p:nvGrpSpPr>
-      <p:grpSpPr>
-        <a:xfrm>
-          <a:off x="0" y="0"/>
-          <a:ext cx="0" cy="0"/>
-          <a:chOff x="0" y="0"/>
-          <a:chExt cx="0" cy="0"/>
-        </a:xfrm>
-      </p:grpSpPr>
-      <p:sp>
-        <p:nvSpPr>
-          <p:cNvPr id="2" name="标题 1">
-            <a:extLst>
-              <a:ext uri="{FF2B5EF4-FFF2-40B4-BE49-F238E27FC236}">
-                <a16:creationId xmlns:a16="http://schemas.microsoft.com/office/drawing/2014/main" id="{E46A3BB1-1213-46C2-923A-881ABCD98822}"/>
-              </a:ext>
-            </a:extLst>
-          </p:cNvPr>
-          <p:cNvSpPr>
-            <a:spLocks noGrp="1"/>
-          </p:cNvSpPr>
-          <p:nvPr>
-            <p:ph type="title"/>
-          </p:nvPr>
-        </p:nvSpPr>
-        <p:spPr/>
-        <p:txBody>
-          <a:bodyPr/>
-          <a:lstStyle/>
-          <a:p>
-            <a:pPr algn="ctr"/>
-            <a:r>
-              <a:rPr lang="en-US" altLang="zh-CN" dirty="0" err="1"/>
-              <a:t>LiquidCrystal</a:t>
-            </a:r>
-            <a:r>
-              <a:rPr lang="zh-CN" altLang="en-US" dirty="0"/>
-              <a:t>库</a:t>
-            </a:r>
-          </a:p>
-        </p:txBody>
-      </p:sp>
-      <p:sp>
-        <p:nvSpPr>
-          <p:cNvPr id="3" name="内容占位符 2">
-            <a:extLst>
-              <a:ext uri="{FF2B5EF4-FFF2-40B4-BE49-F238E27FC236}">
-                <a16:creationId xmlns:a16="http://schemas.microsoft.com/office/drawing/2014/main" id="{A5533A66-656C-49CA-B5A1-006F8EA4D252}"/>
-              </a:ext>
-            </a:extLst>
-          </p:cNvPr>
-          <p:cNvSpPr>
-            <a:spLocks noGrp="1"/>
-          </p:cNvSpPr>
-          <p:nvPr>
-            <p:ph idx="1"/>
-          </p:nvPr>
-        </p:nvSpPr>
-        <p:spPr/>
-        <p:txBody>
-          <a:bodyPr>
-            <a:normAutofit fontScale="55000" lnSpcReduction="20000"/>
-          </a:bodyPr>
-          <a:lstStyle/>
-          <a:p>
-            <a:r>
-              <a:rPr lang="zh-CN" altLang="en-US" dirty="0"/>
-              <a:t>构造函数，创建一个</a:t>
-            </a:r>
-            <a:r>
-              <a:rPr lang="en-US" altLang="zh-CN" dirty="0" err="1"/>
-              <a:t>LiquidCrystal</a:t>
-            </a:r>
-            <a:r>
-              <a:rPr lang="zh-CN" altLang="en-US" dirty="0"/>
-              <a:t>的实例（</a:t>
-            </a:r>
-            <a:r>
-              <a:rPr lang="en-US" altLang="zh-CN" dirty="0" err="1"/>
-              <a:t>LiquidCrystal</a:t>
-            </a:r>
-            <a:r>
-              <a:rPr lang="zh-CN" altLang="en-US" dirty="0"/>
-              <a:t>是一个类）。可使用</a:t>
-            </a:r>
-            <a:r>
-              <a:rPr lang="en-US" altLang="zh-CN" dirty="0"/>
-              <a:t>4</a:t>
-            </a:r>
-            <a:r>
-              <a:rPr lang="zh-CN" altLang="en-US" dirty="0"/>
-              <a:t>线或</a:t>
-            </a:r>
-            <a:r>
-              <a:rPr lang="en-US" altLang="zh-CN" dirty="0"/>
-              <a:t>8</a:t>
-            </a:r>
-            <a:r>
-              <a:rPr lang="zh-CN" altLang="en-US" dirty="0"/>
-              <a:t>线方式作为数据线</a:t>
-            </a:r>
-            <a:r>
-              <a:rPr lang="en-US" altLang="zh-CN" dirty="0"/>
-              <a:t>(</a:t>
-            </a:r>
-            <a:r>
-              <a:rPr lang="zh-CN" altLang="en-US" dirty="0"/>
-              <a:t>请注意</a:t>
-            </a:r>
-            <a:r>
-              <a:rPr lang="en-US" altLang="zh-CN" dirty="0"/>
-              <a:t>,</a:t>
-            </a:r>
-            <a:r>
-              <a:rPr lang="zh-CN" altLang="en-US" dirty="0"/>
-              <a:t>还需要指令线</a:t>
-            </a:r>
-            <a:r>
-              <a:rPr lang="en-US" altLang="zh-CN" dirty="0"/>
-              <a:t>)</a:t>
-            </a:r>
-            <a:r>
-              <a:rPr lang="zh-CN" altLang="en-US" dirty="0"/>
-              <a:t>。若采用四线方式</a:t>
-            </a:r>
-            <a:r>
-              <a:rPr lang="en-US" altLang="zh-CN" dirty="0"/>
-              <a:t>,</a:t>
-            </a:r>
-            <a:r>
-              <a:rPr lang="zh-CN" altLang="en-US" dirty="0"/>
-              <a:t>将</a:t>
-            </a:r>
-            <a:r>
-              <a:rPr lang="en-US" altLang="zh-CN" dirty="0"/>
-              <a:t>d0-d3</a:t>
-            </a:r>
-            <a:r>
-              <a:rPr lang="zh-CN" altLang="en-US" dirty="0"/>
-              <a:t>悬空不连接。</a:t>
-            </a:r>
-            <a:r>
-              <a:rPr lang="en-US" altLang="zh-CN" dirty="0"/>
-              <a:t>RW</a:t>
-            </a:r>
-            <a:r>
-              <a:rPr lang="zh-CN" altLang="en-US" dirty="0"/>
-              <a:t>引脚可接地而不用接在</a:t>
-            </a:r>
-            <a:r>
-              <a:rPr lang="en-US" altLang="zh-CN" dirty="0"/>
-              <a:t>Arduino</a:t>
-            </a:r>
-            <a:r>
-              <a:rPr lang="zh-CN" altLang="en-US" dirty="0"/>
-              <a:t>的某个引脚上</a:t>
-            </a:r>
-            <a:r>
-              <a:rPr lang="en-US" altLang="zh-CN" dirty="0"/>
-              <a:t>;</a:t>
-            </a:r>
-            <a:r>
-              <a:rPr lang="zh-CN" altLang="en-US" dirty="0"/>
-              <a:t>如果这样接</a:t>
-            </a:r>
-            <a:r>
-              <a:rPr lang="en-US" altLang="zh-CN" dirty="0"/>
-              <a:t>,</a:t>
-            </a:r>
-            <a:r>
-              <a:rPr lang="zh-CN" altLang="en-US" dirty="0"/>
-              <a:t>省略在函数中的</a:t>
-            </a:r>
-            <a:r>
-              <a:rPr lang="en-US" altLang="zh-CN" dirty="0" err="1"/>
-              <a:t>rw</a:t>
-            </a:r>
-            <a:r>
-              <a:rPr lang="zh-CN" altLang="en-US" dirty="0"/>
-              <a:t>参数。</a:t>
-            </a:r>
-            <a:endParaRPr lang="en-US" altLang="zh-CN" dirty="0"/>
-          </a:p>
-          <a:p>
-            <a:r>
-              <a:rPr lang="zh-CN" altLang="zh-CN" b="1" dirty="0"/>
-              <a:t>语法：</a:t>
-            </a:r>
-          </a:p>
-          <a:p>
-            <a:pPr marL="914400" lvl="1" indent="-457200">
-              <a:buFont typeface="+mj-lt"/>
-              <a:buAutoNum type="arabicPeriod"/>
-            </a:pPr>
-            <a:r>
-              <a:rPr lang="en-US" altLang="zh-CN" dirty="0" err="1"/>
-              <a:t>LiquidCrystal</a:t>
-            </a:r>
-            <a:r>
-              <a:rPr lang="en-US" altLang="zh-CN" dirty="0"/>
-              <a:t>  </a:t>
-            </a:r>
-            <a:r>
-              <a:rPr lang="en-US" altLang="zh-CN" dirty="0" err="1"/>
-              <a:t>lcd</a:t>
-            </a:r>
-            <a:r>
-              <a:rPr lang="en-US" altLang="zh-CN" dirty="0"/>
-              <a:t>(</a:t>
-            </a:r>
-            <a:r>
-              <a:rPr lang="en-US" altLang="zh-CN" dirty="0" err="1"/>
-              <a:t>rs</a:t>
-            </a:r>
-            <a:r>
-              <a:rPr lang="en-US" altLang="zh-CN" dirty="0"/>
-              <a:t>, enable, d4, d5, d6, d7) </a:t>
-            </a:r>
-          </a:p>
-          <a:p>
-            <a:pPr marL="914400" lvl="1" indent="-457200">
-              <a:buFont typeface="+mj-lt"/>
-              <a:buAutoNum type="arabicPeriod"/>
-            </a:pPr>
-            <a:r>
-              <a:rPr lang="en-US" altLang="zh-CN" dirty="0" err="1"/>
-              <a:t>LiquidCrystal</a:t>
-            </a:r>
-            <a:r>
-              <a:rPr lang="en-US" altLang="zh-CN" dirty="0"/>
-              <a:t>  </a:t>
-            </a:r>
-            <a:r>
-              <a:rPr lang="en-US" altLang="zh-CN" dirty="0" err="1"/>
-              <a:t>lcd</a:t>
-            </a:r>
-            <a:r>
-              <a:rPr lang="en-US" altLang="zh-CN" dirty="0"/>
-              <a:t>(</a:t>
-            </a:r>
-            <a:r>
-              <a:rPr lang="en-US" altLang="zh-CN" dirty="0" err="1"/>
-              <a:t>rs</a:t>
-            </a:r>
-            <a:r>
-              <a:rPr lang="en-US" altLang="zh-CN" dirty="0"/>
-              <a:t>, </a:t>
-            </a:r>
-            <a:r>
-              <a:rPr lang="en-US" altLang="zh-CN" dirty="0" err="1"/>
-              <a:t>rw</a:t>
-            </a:r>
-            <a:r>
-              <a:rPr lang="en-US" altLang="zh-CN" dirty="0"/>
-              <a:t>, enable, d4, d5, d6, d7) </a:t>
-            </a:r>
-          </a:p>
-          <a:p>
-            <a:pPr marL="914400" lvl="1" indent="-457200">
-              <a:buFont typeface="+mj-lt"/>
-              <a:buAutoNum type="arabicPeriod"/>
-            </a:pPr>
-            <a:r>
-              <a:rPr lang="en-US" altLang="zh-CN" dirty="0" err="1"/>
-              <a:t>LiquidCrystal</a:t>
-            </a:r>
-            <a:r>
-              <a:rPr lang="en-US" altLang="zh-CN" dirty="0"/>
-              <a:t>  </a:t>
-            </a:r>
-            <a:r>
-              <a:rPr lang="en-US" altLang="zh-CN" dirty="0" err="1"/>
-              <a:t>lcd</a:t>
-            </a:r>
-            <a:r>
-              <a:rPr lang="en-US" altLang="zh-CN" dirty="0"/>
-              <a:t>(</a:t>
-            </a:r>
-            <a:r>
-              <a:rPr lang="en-US" altLang="zh-CN" dirty="0" err="1"/>
-              <a:t>rs</a:t>
-            </a:r>
-            <a:r>
-              <a:rPr lang="en-US" altLang="zh-CN" dirty="0"/>
-              <a:t>, enable, d0, d1, d2, d3, d4, d5, d6, d7) </a:t>
-            </a:r>
-          </a:p>
-          <a:p>
-            <a:pPr marL="914400" lvl="1" indent="-457200">
-              <a:buFont typeface="+mj-lt"/>
-              <a:buAutoNum type="arabicPeriod"/>
-            </a:pPr>
-            <a:r>
-              <a:rPr lang="en-US" altLang="zh-CN" dirty="0" err="1"/>
-              <a:t>LiquidCrystal</a:t>
-            </a:r>
-            <a:r>
-              <a:rPr lang="en-US" altLang="zh-CN" dirty="0"/>
-              <a:t>  lcd(</a:t>
-            </a:r>
-            <a:r>
-              <a:rPr lang="en-US" altLang="zh-CN" dirty="0" err="1"/>
-              <a:t>rs</a:t>
-            </a:r>
-            <a:r>
-              <a:rPr lang="en-US" altLang="zh-CN" dirty="0"/>
-              <a:t>, </a:t>
-            </a:r>
-            <a:r>
-              <a:rPr lang="en-US" altLang="zh-CN" dirty="0" err="1"/>
-              <a:t>rw</a:t>
-            </a:r>
-            <a:r>
-              <a:rPr lang="en-US" altLang="zh-CN" dirty="0"/>
-              <a:t>, enable, d0, d1, d2, d3, d4, d5, d6, d7)</a:t>
-            </a:r>
-            <a:endParaRPr lang="zh-CN" altLang="zh-CN" dirty="0"/>
-          </a:p>
-          <a:p>
-            <a:r>
-              <a:rPr lang="zh-CN" altLang="zh-CN" b="1" dirty="0"/>
-              <a:t>参数设置：</a:t>
-            </a:r>
-          </a:p>
-          <a:p>
-            <a:pPr lvl="1"/>
-            <a:r>
-              <a:rPr lang="en-US" altLang="zh-CN" dirty="0" err="1"/>
-              <a:t>rs</a:t>
-            </a:r>
-            <a:r>
-              <a:rPr lang="en-US" altLang="zh-CN" dirty="0"/>
-              <a:t>:   </a:t>
-            </a:r>
-            <a:r>
-              <a:rPr lang="en-US" altLang="zh-CN" dirty="0" err="1"/>
-              <a:t>rs</a:t>
-            </a:r>
-            <a:r>
-              <a:rPr lang="zh-CN" altLang="zh-CN" dirty="0"/>
-              <a:t>连接的</a:t>
-            </a:r>
-            <a:r>
-              <a:rPr lang="en-US" altLang="zh-CN" dirty="0"/>
-              <a:t>Arduino</a:t>
-            </a:r>
-            <a:r>
-              <a:rPr lang="zh-CN" altLang="zh-CN" dirty="0"/>
-              <a:t>的引脚编号</a:t>
-            </a:r>
-            <a:r>
-              <a:rPr lang="en-US" altLang="zh-CN" dirty="0"/>
-              <a:t> </a:t>
-            </a:r>
-          </a:p>
-          <a:p>
-            <a:pPr lvl="1"/>
-            <a:r>
-              <a:rPr lang="en-US" altLang="zh-CN" dirty="0" err="1"/>
-              <a:t>rw</a:t>
-            </a:r>
-            <a:r>
-              <a:rPr lang="en-US" altLang="zh-CN" dirty="0"/>
-              <a:t>:  </a:t>
-            </a:r>
-            <a:r>
-              <a:rPr lang="en-US" altLang="zh-CN" dirty="0" err="1"/>
-              <a:t>rw</a:t>
-            </a:r>
-            <a:r>
-              <a:rPr lang="zh-CN" altLang="zh-CN" dirty="0"/>
-              <a:t>连接的</a:t>
-            </a:r>
-            <a:r>
-              <a:rPr lang="en-US" altLang="zh-CN" dirty="0"/>
-              <a:t>Arduino</a:t>
-            </a:r>
-            <a:r>
-              <a:rPr lang="zh-CN" altLang="zh-CN" dirty="0"/>
-              <a:t>的引脚编号</a:t>
-            </a:r>
-            <a:r>
-              <a:rPr lang="en-US" altLang="zh-CN" dirty="0"/>
-              <a:t> </a:t>
-            </a:r>
-          </a:p>
-          <a:p>
-            <a:pPr lvl="1"/>
-            <a:r>
-              <a:rPr lang="en-US" altLang="zh-CN" dirty="0"/>
-              <a:t>enable: enable</a:t>
-            </a:r>
-            <a:r>
-              <a:rPr lang="zh-CN" altLang="zh-CN" dirty="0"/>
-              <a:t>连接的</a:t>
-            </a:r>
-            <a:r>
-              <a:rPr lang="en-US" altLang="zh-CN" dirty="0"/>
-              <a:t>Arduino</a:t>
-            </a:r>
-            <a:r>
-              <a:rPr lang="zh-CN" altLang="zh-CN" dirty="0"/>
-              <a:t>的引脚编号</a:t>
-            </a:r>
-            <a:r>
-              <a:rPr lang="en-US" altLang="zh-CN" dirty="0"/>
-              <a:t> </a:t>
-            </a:r>
-          </a:p>
-          <a:p>
-            <a:pPr lvl="1"/>
-            <a:r>
-              <a:rPr lang="en-US" altLang="zh-CN" dirty="0"/>
-              <a:t>d0, d1, d2, d3, d4, d5, d6, d7:  </a:t>
-            </a:r>
-            <a:r>
-              <a:rPr lang="zh-CN" altLang="zh-CN" dirty="0"/>
-              <a:t>连接的</a:t>
-            </a:r>
-            <a:r>
-              <a:rPr lang="en-US" altLang="zh-CN" dirty="0"/>
-              <a:t>Arduino</a:t>
-            </a:r>
-            <a:r>
-              <a:rPr lang="zh-CN" altLang="zh-CN" dirty="0"/>
-              <a:t>的引脚编号</a:t>
-            </a:r>
-          </a:p>
-        </p:txBody>
-      </p:sp>
-    </p:spTree>
-    <p:extLst>
-      <p:ext uri="{BB962C8B-B14F-4D97-AF65-F5344CB8AC3E}">
-        <p14:creationId xmlns:p14="http://schemas.microsoft.com/office/powerpoint/2010/main" val="767624569"/>
+        <p14:creationId xmlns:p14="http://schemas.microsoft.com/office/powerpoint/2010/main" val="2405040254"/>
       </p:ext>
     </p:extLst>
   </p:cSld>
@@ -9595,1524 +7282,19 @@
           </a:p>
         </p:txBody>
       </p:sp>
-    </p:spTree>
-    <p:extLst>
-      <p:ext uri="{BB962C8B-B14F-4D97-AF65-F5344CB8AC3E}">
-        <p14:creationId xmlns:p14="http://schemas.microsoft.com/office/powerpoint/2010/main" val="185976616"/>
-      </p:ext>
-    </p:extLst>
-  </p:cSld>
-  <p:clrMapOvr>
-    <a:masterClrMapping/>
-  </p:clrMapOvr>
-  <mc:AlternateContent xmlns:mc="http://schemas.openxmlformats.org/markup-compatibility/2006" xmlns:p14="http://schemas.microsoft.com/office/powerpoint/2010/main">
-    <mc:Choice Requires="p14">
-      <p:transition spd="slow" p14:dur="1250">
-        <p:push dir="u"/>
-      </p:transition>
-    </mc:Choice>
-    <mc:Fallback xmlns="">
-      <p:transition spd="slow">
-        <p:push dir="u"/>
-      </p:transition>
-    </mc:Fallback>
-  </mc:AlternateContent>
-</p:sld>
-</file>
-
-<file path=ppt/slides/slide20.xml><?xml version="1.0" encoding="utf-8"?>
-<p:sld xmlns:a="http://schemas.openxmlformats.org/drawingml/2006/main" xmlns:r="http://schemas.openxmlformats.org/officeDocument/2006/relationships" xmlns:p="http://schemas.openxmlformats.org/presentationml/2006/main">
-  <p:cSld>
-    <p:spTree>
-      <p:nvGrpSpPr>
-        <p:cNvPr id="1" name=""/>
-        <p:cNvGrpSpPr/>
-        <p:nvPr/>
-      </p:nvGrpSpPr>
-      <p:grpSpPr>
-        <a:xfrm>
-          <a:off x="0" y="0"/>
-          <a:ext cx="0" cy="0"/>
-          <a:chOff x="0" y="0"/>
-          <a:chExt cx="0" cy="0"/>
-        </a:xfrm>
-      </p:grpSpPr>
-      <p:sp>
-        <p:nvSpPr>
-          <p:cNvPr id="2" name="标题 1">
+      <p:pic>
+        <p:nvPicPr>
+          <p:cNvPr id="4" name="图片 3">
             <a:extLst>
               <a:ext uri="{FF2B5EF4-FFF2-40B4-BE49-F238E27FC236}">
-                <a16:creationId xmlns:a16="http://schemas.microsoft.com/office/drawing/2014/main" id="{0725C7E4-4260-4334-8DBD-9DBA10FC8495}"/>
-              </a:ext>
-            </a:extLst>
-          </p:cNvPr>
-          <p:cNvSpPr>
-            <a:spLocks noGrp="1"/>
-          </p:cNvSpPr>
-          <p:nvPr>
-            <p:ph type="title"/>
-          </p:nvPr>
-        </p:nvSpPr>
-        <p:spPr/>
-        <p:txBody>
-          <a:bodyPr/>
-          <a:lstStyle/>
-          <a:p>
-            <a:pPr algn="ctr"/>
-            <a:r>
-              <a:rPr lang="en-US" altLang="zh-CN" dirty="0" err="1"/>
-              <a:t>LiquidCrystal</a:t>
-            </a:r>
-            <a:r>
-              <a:rPr lang="zh-CN" altLang="en-US" dirty="0"/>
-              <a:t>库（续）</a:t>
-            </a:r>
-          </a:p>
-        </p:txBody>
-      </p:sp>
-      <p:sp>
-        <p:nvSpPr>
-          <p:cNvPr id="3" name="内容占位符 2">
-            <a:extLst>
-              <a:ext uri="{FF2B5EF4-FFF2-40B4-BE49-F238E27FC236}">
-                <a16:creationId xmlns:a16="http://schemas.microsoft.com/office/drawing/2014/main" id="{E81BE9CA-7A52-4252-B131-01A1A38D94F2}"/>
-              </a:ext>
-            </a:extLst>
-          </p:cNvPr>
-          <p:cNvSpPr>
-            <a:spLocks noGrp="1"/>
-          </p:cNvSpPr>
-          <p:nvPr>
-            <p:ph idx="1"/>
-          </p:nvPr>
-        </p:nvSpPr>
-        <p:spPr/>
-        <p:txBody>
-          <a:bodyPr>
-            <a:normAutofit fontScale="85000" lnSpcReduction="20000"/>
-          </a:bodyPr>
-          <a:lstStyle/>
-          <a:p>
-            <a:r>
-              <a:rPr lang="en-US" altLang="zh-CN" dirty="0" err="1"/>
-              <a:t>lcd.begin</a:t>
-            </a:r>
-            <a:r>
-              <a:rPr lang="en-US" altLang="zh-CN" dirty="0"/>
-              <a:t>(cols, rows)   </a:t>
-            </a:r>
-          </a:p>
-          <a:p>
-            <a:pPr lvl="1"/>
-            <a:r>
-              <a:rPr lang="en-US" altLang="zh-CN" dirty="0"/>
-              <a:t>begin ()</a:t>
-            </a:r>
-            <a:r>
-              <a:rPr lang="zh-CN" altLang="zh-CN" dirty="0"/>
-              <a:t>指定显示屏的尺寸（宽和高）</a:t>
-            </a:r>
-          </a:p>
-          <a:p>
-            <a:pPr lvl="1"/>
-            <a:r>
-              <a:rPr lang="en-US" altLang="zh-CN" dirty="0" err="1"/>
-              <a:t>lcd</a:t>
-            </a:r>
-            <a:r>
-              <a:rPr lang="en-US" altLang="zh-CN" dirty="0"/>
-              <a:t>: </a:t>
-            </a:r>
-            <a:r>
-              <a:rPr lang="zh-CN" altLang="zh-CN" dirty="0"/>
-              <a:t>液晶类型的名称变量</a:t>
-            </a:r>
-            <a:r>
-              <a:rPr lang="en-US" altLang="zh-CN" dirty="0"/>
-              <a:t> </a:t>
-            </a:r>
-          </a:p>
-          <a:p>
-            <a:pPr lvl="1"/>
-            <a:r>
-              <a:rPr lang="en-US" altLang="zh-CN" dirty="0"/>
-              <a:t>cols: </a:t>
-            </a:r>
-            <a:r>
-              <a:rPr lang="zh-CN" altLang="zh-CN" dirty="0"/>
-              <a:t>显示器可以显示的列数</a:t>
-            </a:r>
-            <a:r>
-              <a:rPr lang="en-US" altLang="zh-CN" dirty="0"/>
-              <a:t>(1602</a:t>
-            </a:r>
-            <a:r>
-              <a:rPr lang="zh-CN" altLang="zh-CN" dirty="0"/>
-              <a:t>是</a:t>
-            </a:r>
-            <a:r>
-              <a:rPr lang="en-US" altLang="zh-CN" dirty="0"/>
-              <a:t>16</a:t>
-            </a:r>
-            <a:r>
-              <a:rPr lang="zh-CN" altLang="zh-CN" dirty="0"/>
-              <a:t>列</a:t>
-            </a:r>
-            <a:r>
-              <a:rPr lang="en-US" altLang="zh-CN" dirty="0"/>
-              <a:t>) </a:t>
-            </a:r>
-          </a:p>
-          <a:p>
-            <a:pPr lvl="1"/>
-            <a:r>
-              <a:rPr lang="en-US" altLang="zh-CN" dirty="0"/>
-              <a:t>rows: </a:t>
-            </a:r>
-            <a:r>
-              <a:rPr lang="zh-CN" altLang="zh-CN" dirty="0"/>
-              <a:t>显示器可以显示的行数</a:t>
-            </a:r>
-            <a:r>
-              <a:rPr lang="en-US" altLang="zh-CN" dirty="0"/>
-              <a:t>(1602</a:t>
-            </a:r>
-            <a:r>
-              <a:rPr lang="zh-CN" altLang="zh-CN" dirty="0"/>
-              <a:t>是</a:t>
-            </a:r>
-            <a:r>
-              <a:rPr lang="en-US" altLang="zh-CN" dirty="0"/>
-              <a:t>2</a:t>
-            </a:r>
-            <a:r>
-              <a:rPr lang="zh-CN" altLang="zh-CN" dirty="0"/>
-              <a:t>行</a:t>
-            </a:r>
-            <a:r>
-              <a:rPr lang="en-US" altLang="zh-CN" dirty="0"/>
-              <a:t>)</a:t>
-            </a:r>
-            <a:endParaRPr lang="zh-CN" altLang="zh-CN" dirty="0"/>
-          </a:p>
-          <a:p>
-            <a:r>
-              <a:rPr lang="en-US" altLang="zh-CN" dirty="0" err="1"/>
-              <a:t>lcd.clear</a:t>
-            </a:r>
-            <a:r>
-              <a:rPr lang="en-US" altLang="zh-CN" dirty="0"/>
-              <a:t>() </a:t>
-            </a:r>
-          </a:p>
-          <a:p>
-            <a:pPr lvl="1"/>
-            <a:r>
-              <a:rPr lang="en-US" altLang="zh-CN" dirty="0"/>
-              <a:t>clear () </a:t>
-            </a:r>
-            <a:r>
-              <a:rPr lang="zh-CN" altLang="zh-CN" dirty="0"/>
-              <a:t>清除</a:t>
-            </a:r>
-            <a:r>
-              <a:rPr lang="en-US" altLang="zh-CN" dirty="0"/>
-              <a:t>LCD</a:t>
-            </a:r>
-            <a:r>
-              <a:rPr lang="zh-CN" altLang="zh-CN" dirty="0"/>
-              <a:t>屏幕上内容，并将光标置于左上角</a:t>
-            </a:r>
-          </a:p>
-          <a:p>
-            <a:r>
-              <a:rPr lang="en-US" altLang="zh-CN" dirty="0" err="1"/>
-              <a:t>lcd.home</a:t>
-            </a:r>
-            <a:r>
-              <a:rPr lang="en-US" altLang="zh-CN" dirty="0"/>
-              <a:t>() </a:t>
-            </a:r>
-          </a:p>
-          <a:p>
-            <a:pPr lvl="1"/>
-            <a:r>
-              <a:rPr lang="en-US" altLang="zh-CN" dirty="0"/>
-              <a:t>home() </a:t>
-            </a:r>
-            <a:r>
-              <a:rPr lang="zh-CN" altLang="zh-CN" dirty="0"/>
-              <a:t>将光标定位在屏幕的左上角。</a:t>
-            </a:r>
-          </a:p>
-        </p:txBody>
-      </p:sp>
-    </p:spTree>
-    <p:extLst>
-      <p:ext uri="{BB962C8B-B14F-4D97-AF65-F5344CB8AC3E}">
-        <p14:creationId xmlns:p14="http://schemas.microsoft.com/office/powerpoint/2010/main" val="4128091577"/>
-      </p:ext>
-    </p:extLst>
-  </p:cSld>
-  <p:clrMapOvr>
-    <a:masterClrMapping/>
-  </p:clrMapOvr>
-  <mc:AlternateContent xmlns:mc="http://schemas.openxmlformats.org/markup-compatibility/2006" xmlns:p14="http://schemas.microsoft.com/office/powerpoint/2010/main">
-    <mc:Choice Requires="p14">
-      <p:transition spd="slow" p14:dur="1250">
-        <p:push dir="u"/>
-      </p:transition>
-    </mc:Choice>
-    <mc:Fallback xmlns="">
-      <p:transition spd="slow">
-        <p:push dir="u"/>
-      </p:transition>
-    </mc:Fallback>
-  </mc:AlternateContent>
-</p:sld>
-</file>
-
-<file path=ppt/slides/slide21.xml><?xml version="1.0" encoding="utf-8"?>
-<p:sld xmlns:a="http://schemas.openxmlformats.org/drawingml/2006/main" xmlns:r="http://schemas.openxmlformats.org/officeDocument/2006/relationships" xmlns:p="http://schemas.openxmlformats.org/presentationml/2006/main">
-  <p:cSld>
-    <p:spTree>
-      <p:nvGrpSpPr>
-        <p:cNvPr id="1" name=""/>
-        <p:cNvGrpSpPr/>
-        <p:nvPr/>
-      </p:nvGrpSpPr>
-      <p:grpSpPr>
-        <a:xfrm>
-          <a:off x="0" y="0"/>
-          <a:ext cx="0" cy="0"/>
-          <a:chOff x="0" y="0"/>
-          <a:chExt cx="0" cy="0"/>
-        </a:xfrm>
-      </p:grpSpPr>
-      <p:sp>
-        <p:nvSpPr>
-          <p:cNvPr id="2" name="标题 1">
-            <a:extLst>
-              <a:ext uri="{FF2B5EF4-FFF2-40B4-BE49-F238E27FC236}">
-                <a16:creationId xmlns:a16="http://schemas.microsoft.com/office/drawing/2014/main" id="{CBED416B-40FD-4435-9989-C9339B4D0DA2}"/>
-              </a:ext>
-            </a:extLst>
-          </p:cNvPr>
-          <p:cNvSpPr>
-            <a:spLocks noGrp="1"/>
-          </p:cNvSpPr>
-          <p:nvPr>
-            <p:ph type="title"/>
-          </p:nvPr>
-        </p:nvSpPr>
-        <p:spPr/>
-        <p:txBody>
-          <a:bodyPr/>
-          <a:lstStyle/>
-          <a:p>
-            <a:pPr algn="ctr"/>
-            <a:r>
-              <a:rPr lang="en-US" altLang="zh-CN" dirty="0" err="1"/>
-              <a:t>LiquidCrystal</a:t>
-            </a:r>
-            <a:r>
-              <a:rPr lang="zh-CN" altLang="en-US" dirty="0"/>
-              <a:t>库（续）</a:t>
-            </a:r>
-          </a:p>
-        </p:txBody>
-      </p:sp>
-      <p:sp>
-        <p:nvSpPr>
-          <p:cNvPr id="3" name="内容占位符 2">
-            <a:extLst>
-              <a:ext uri="{FF2B5EF4-FFF2-40B4-BE49-F238E27FC236}">
-                <a16:creationId xmlns:a16="http://schemas.microsoft.com/office/drawing/2014/main" id="{D1ACA732-376C-40C4-9B91-65764EC600AC}"/>
-              </a:ext>
-            </a:extLst>
-          </p:cNvPr>
-          <p:cNvSpPr>
-            <a:spLocks noGrp="1"/>
-          </p:cNvSpPr>
-          <p:nvPr>
-            <p:ph idx="1"/>
-          </p:nvPr>
-        </p:nvSpPr>
-        <p:spPr/>
-        <p:txBody>
-          <a:bodyPr>
-            <a:normAutofit fontScale="85000" lnSpcReduction="20000"/>
-          </a:bodyPr>
-          <a:lstStyle/>
-          <a:p>
-            <a:r>
-              <a:rPr lang="en-US" altLang="zh-CN" dirty="0" err="1"/>
-              <a:t>lcd.setCursor</a:t>
-            </a:r>
-            <a:r>
-              <a:rPr lang="en-US" altLang="zh-CN" dirty="0"/>
-              <a:t>(col, row)   </a:t>
-            </a:r>
-          </a:p>
-          <a:p>
-            <a:pPr lvl="1"/>
-            <a:r>
-              <a:rPr lang="en-US" altLang="zh-CN" dirty="0" err="1"/>
-              <a:t>setCursor</a:t>
-            </a:r>
-            <a:r>
-              <a:rPr lang="en-US" altLang="zh-CN" dirty="0"/>
-              <a:t>() </a:t>
-            </a:r>
-            <a:r>
-              <a:rPr lang="zh-CN" altLang="zh-CN" dirty="0"/>
-              <a:t>将光标设置在特定的位置</a:t>
-            </a:r>
-            <a:endParaRPr lang="en-US" altLang="zh-CN" dirty="0"/>
-          </a:p>
-          <a:p>
-            <a:pPr lvl="1"/>
-            <a:r>
-              <a:rPr lang="en-US" altLang="zh-CN" dirty="0"/>
-              <a:t>row</a:t>
-            </a:r>
-            <a:r>
-              <a:rPr lang="zh-CN" altLang="zh-CN" dirty="0"/>
-              <a:t>有两个取值</a:t>
-            </a:r>
-            <a:r>
-              <a:rPr lang="en-US" altLang="zh-CN" dirty="0"/>
-              <a:t>0</a:t>
-            </a:r>
-            <a:r>
-              <a:rPr lang="zh-CN" altLang="zh-CN" dirty="0"/>
-              <a:t>和</a:t>
-            </a:r>
-            <a:r>
-              <a:rPr lang="en-US" altLang="zh-CN" dirty="0"/>
-              <a:t>1,0</a:t>
-            </a:r>
-            <a:r>
-              <a:rPr lang="zh-CN" altLang="zh-CN" dirty="0"/>
-              <a:t>表示第一</a:t>
-            </a:r>
-            <a:r>
-              <a:rPr lang="zh-CN" altLang="en-US" dirty="0"/>
-              <a:t>行</a:t>
-            </a:r>
-            <a:r>
-              <a:rPr lang="zh-CN" altLang="zh-CN" dirty="0"/>
-              <a:t>，</a:t>
-            </a:r>
-            <a:r>
-              <a:rPr lang="en-US" altLang="zh-CN" dirty="0"/>
-              <a:t>1</a:t>
-            </a:r>
-            <a:r>
-              <a:rPr lang="zh-CN" altLang="zh-CN" dirty="0"/>
-              <a:t>表示第二</a:t>
-            </a:r>
-            <a:r>
-              <a:rPr lang="zh-CN" altLang="en-US" dirty="0"/>
-              <a:t>行</a:t>
-            </a:r>
-            <a:endParaRPr lang="en-US" altLang="zh-CN" dirty="0"/>
-          </a:p>
-          <a:p>
-            <a:pPr lvl="1"/>
-            <a:r>
-              <a:rPr lang="en-US" altLang="zh-CN" dirty="0"/>
-              <a:t>col</a:t>
-            </a:r>
-            <a:r>
-              <a:rPr lang="zh-CN" altLang="zh-CN" dirty="0"/>
-              <a:t>的取值为</a:t>
-            </a:r>
-            <a:r>
-              <a:rPr lang="en-US" altLang="zh-CN" dirty="0"/>
-              <a:t>0-15</a:t>
-            </a:r>
-            <a:endParaRPr lang="zh-CN" altLang="zh-CN" dirty="0"/>
-          </a:p>
-          <a:p>
-            <a:r>
-              <a:rPr lang="en-US" altLang="zh-CN" dirty="0" err="1"/>
-              <a:t>lcd.write</a:t>
-            </a:r>
-            <a:r>
-              <a:rPr lang="en-US" altLang="zh-CN" dirty="0"/>
-              <a:t>(data)  </a:t>
-            </a:r>
-          </a:p>
-          <a:p>
-            <a:pPr lvl="1"/>
-            <a:r>
-              <a:rPr lang="en-US" altLang="zh-CN" dirty="0"/>
-              <a:t>write() </a:t>
-            </a:r>
-            <a:r>
-              <a:rPr lang="zh-CN" altLang="zh-CN" dirty="0"/>
-              <a:t>向</a:t>
-            </a:r>
-            <a:r>
-              <a:rPr lang="en-US" altLang="zh-CN" dirty="0"/>
-              <a:t>LCD</a:t>
-            </a:r>
-            <a:r>
-              <a:rPr lang="zh-CN" altLang="zh-CN" dirty="0"/>
-              <a:t>写一个字符</a:t>
-            </a:r>
-          </a:p>
-          <a:p>
-            <a:r>
-              <a:rPr lang="en-US" altLang="zh-CN" dirty="0" err="1"/>
-              <a:t>lcd.print</a:t>
-            </a:r>
-            <a:r>
-              <a:rPr lang="en-US" altLang="zh-CN" dirty="0"/>
-              <a:t>(data)   </a:t>
-            </a:r>
-          </a:p>
-          <a:p>
-            <a:pPr lvl="1"/>
-            <a:r>
-              <a:rPr lang="en-US" altLang="zh-CN" dirty="0"/>
-              <a:t>print() </a:t>
-            </a:r>
-            <a:r>
-              <a:rPr lang="zh-CN" altLang="zh-CN" dirty="0"/>
-              <a:t>将文本内容显示在</a:t>
-            </a:r>
-            <a:r>
-              <a:rPr lang="en-US" altLang="zh-CN" dirty="0"/>
-              <a:t>LCD</a:t>
-            </a:r>
-            <a:r>
-              <a:rPr lang="zh-CN" altLang="zh-CN" dirty="0"/>
-              <a:t>上</a:t>
-            </a:r>
-          </a:p>
-          <a:p>
-            <a:pPr lvl="1"/>
-            <a:r>
-              <a:rPr lang="en-US" altLang="zh-CN" dirty="0"/>
-              <a:t>data: </a:t>
-            </a:r>
-            <a:r>
-              <a:rPr lang="zh-CN" altLang="zh-CN" dirty="0"/>
-              <a:t>你要显示的字符（仅限英文和数字和你自己定义的字符</a:t>
-            </a:r>
-            <a:r>
-              <a:rPr lang="zh-CN" altLang="en-US" dirty="0"/>
-              <a:t>）</a:t>
-            </a:r>
-            <a:r>
-              <a:rPr lang="zh-CN" altLang="zh-CN" dirty="0"/>
-              <a:t>。可以是</a:t>
-            </a:r>
-            <a:r>
-              <a:rPr lang="en-US" altLang="zh-CN" dirty="0"/>
-              <a:t>char, byte, int, long</a:t>
-            </a:r>
-            <a:r>
-              <a:rPr lang="zh-CN" altLang="zh-CN" dirty="0"/>
-              <a:t>或者</a:t>
-            </a:r>
-            <a:r>
-              <a:rPr lang="en-US" altLang="zh-CN" dirty="0"/>
-              <a:t>string</a:t>
-            </a:r>
-            <a:r>
-              <a:rPr lang="zh-CN" altLang="zh-CN" dirty="0"/>
-              <a:t>类型的。</a:t>
-            </a:r>
-          </a:p>
-        </p:txBody>
-      </p:sp>
-    </p:spTree>
-    <p:extLst>
-      <p:ext uri="{BB962C8B-B14F-4D97-AF65-F5344CB8AC3E}">
-        <p14:creationId xmlns:p14="http://schemas.microsoft.com/office/powerpoint/2010/main" val="3878760871"/>
-      </p:ext>
-    </p:extLst>
-  </p:cSld>
-  <p:clrMapOvr>
-    <a:masterClrMapping/>
-  </p:clrMapOvr>
-  <mc:AlternateContent xmlns:mc="http://schemas.openxmlformats.org/markup-compatibility/2006" xmlns:p14="http://schemas.microsoft.com/office/powerpoint/2010/main">
-    <mc:Choice Requires="p14">
-      <p:transition spd="slow" p14:dur="1250">
-        <p:push dir="u"/>
-      </p:transition>
-    </mc:Choice>
-    <mc:Fallback xmlns="">
-      <p:transition spd="slow">
-        <p:push dir="u"/>
-      </p:transition>
-    </mc:Fallback>
-  </mc:AlternateContent>
-</p:sld>
-</file>
-
-<file path=ppt/slides/slide22.xml><?xml version="1.0" encoding="utf-8"?>
-<p:sld xmlns:a="http://schemas.openxmlformats.org/drawingml/2006/main" xmlns:r="http://schemas.openxmlformats.org/officeDocument/2006/relationships" xmlns:p="http://schemas.openxmlformats.org/presentationml/2006/main">
-  <p:cSld>
-    <p:spTree>
-      <p:nvGrpSpPr>
-        <p:cNvPr id="1" name=""/>
-        <p:cNvGrpSpPr/>
-        <p:nvPr/>
-      </p:nvGrpSpPr>
-      <p:grpSpPr>
-        <a:xfrm>
-          <a:off x="0" y="0"/>
-          <a:ext cx="0" cy="0"/>
-          <a:chOff x="0" y="0"/>
-          <a:chExt cx="0" cy="0"/>
-        </a:xfrm>
-      </p:grpSpPr>
-      <p:sp>
-        <p:nvSpPr>
-          <p:cNvPr id="2" name="标题 1">
-            <a:extLst>
-              <a:ext uri="{FF2B5EF4-FFF2-40B4-BE49-F238E27FC236}">
-                <a16:creationId xmlns:a16="http://schemas.microsoft.com/office/drawing/2014/main" id="{223D87E4-94CF-4289-AF62-BDF503F37994}"/>
-              </a:ext>
-            </a:extLst>
-          </p:cNvPr>
-          <p:cNvSpPr>
-            <a:spLocks noGrp="1"/>
-          </p:cNvSpPr>
-          <p:nvPr>
-            <p:ph type="title"/>
-          </p:nvPr>
-        </p:nvSpPr>
-        <p:spPr/>
-        <p:txBody>
-          <a:bodyPr/>
-          <a:lstStyle/>
-          <a:p>
-            <a:pPr algn="ctr"/>
-            <a:r>
-              <a:rPr lang="en-US" altLang="zh-CN" dirty="0" err="1"/>
-              <a:t>LiquidCrystal</a:t>
-            </a:r>
-            <a:r>
-              <a:rPr lang="zh-CN" altLang="en-US" dirty="0"/>
-              <a:t>库（续）</a:t>
-            </a:r>
-          </a:p>
-        </p:txBody>
-      </p:sp>
-      <p:sp>
-        <p:nvSpPr>
-          <p:cNvPr id="3" name="内容占位符 2">
-            <a:extLst>
-              <a:ext uri="{FF2B5EF4-FFF2-40B4-BE49-F238E27FC236}">
-                <a16:creationId xmlns:a16="http://schemas.microsoft.com/office/drawing/2014/main" id="{54F1B671-0676-46C2-B9B1-DC16848F858A}"/>
-              </a:ext>
-            </a:extLst>
-          </p:cNvPr>
-          <p:cNvSpPr>
-            <a:spLocks noGrp="1"/>
-          </p:cNvSpPr>
-          <p:nvPr>
-            <p:ph idx="1"/>
-          </p:nvPr>
-        </p:nvSpPr>
-        <p:spPr/>
-        <p:txBody>
-          <a:bodyPr>
-            <a:normAutofit fontScale="55000" lnSpcReduction="20000"/>
-          </a:bodyPr>
-          <a:lstStyle/>
-          <a:p>
-            <a:r>
-              <a:rPr lang="en-US" altLang="zh-CN" dirty="0" err="1"/>
-              <a:t>lcd.cursor</a:t>
-            </a:r>
-            <a:r>
-              <a:rPr lang="en-US" altLang="zh-CN" dirty="0"/>
-              <a:t>()   </a:t>
-            </a:r>
-          </a:p>
-          <a:p>
-            <a:pPr lvl="1"/>
-            <a:r>
-              <a:rPr lang="en-US" altLang="zh-CN" dirty="0"/>
-              <a:t>cursor() </a:t>
-            </a:r>
-            <a:r>
-              <a:rPr lang="zh-CN" altLang="zh-CN" dirty="0"/>
-              <a:t>显示光标（显示下一个字符将被显示的位置）</a:t>
-            </a:r>
-          </a:p>
-          <a:p>
-            <a:r>
-              <a:rPr lang="en-US" altLang="zh-CN" dirty="0" err="1"/>
-              <a:t>lcd.noCursor</a:t>
-            </a:r>
-            <a:r>
-              <a:rPr lang="en-US" altLang="zh-CN" dirty="0"/>
-              <a:t>()  </a:t>
-            </a:r>
-          </a:p>
-          <a:p>
-            <a:pPr lvl="1"/>
-            <a:r>
-              <a:rPr lang="en-US" altLang="zh-CN" dirty="0" err="1"/>
-              <a:t>noCursor</a:t>
-            </a:r>
-            <a:r>
-              <a:rPr lang="en-US" altLang="zh-CN" dirty="0"/>
-              <a:t>() </a:t>
-            </a:r>
-            <a:r>
-              <a:rPr lang="zh-CN" altLang="zh-CN" dirty="0"/>
-              <a:t>隐藏光标</a:t>
-            </a:r>
-          </a:p>
-          <a:p>
-            <a:r>
-              <a:rPr lang="en-US" altLang="zh-CN" dirty="0" err="1"/>
-              <a:t>lcd.blink</a:t>
-            </a:r>
-            <a:r>
-              <a:rPr lang="en-US" altLang="zh-CN" dirty="0"/>
-              <a:t>()   </a:t>
-            </a:r>
-          </a:p>
-          <a:p>
-            <a:pPr lvl="1"/>
-            <a:r>
-              <a:rPr lang="en-US" altLang="zh-CN" dirty="0"/>
-              <a:t>blink() </a:t>
-            </a:r>
-            <a:r>
-              <a:rPr lang="zh-CN" altLang="zh-CN" dirty="0"/>
-              <a:t>显示闪烁的光标</a:t>
-            </a:r>
-          </a:p>
-          <a:p>
-            <a:r>
-              <a:rPr lang="en-US" altLang="zh-CN" dirty="0" err="1"/>
-              <a:t>lcd.noBlink</a:t>
-            </a:r>
-            <a:r>
-              <a:rPr lang="en-US" altLang="zh-CN" dirty="0"/>
-              <a:t>()  </a:t>
-            </a:r>
-          </a:p>
-          <a:p>
-            <a:pPr lvl="1"/>
-            <a:r>
-              <a:rPr lang="en-US" altLang="zh-CN" dirty="0" err="1"/>
-              <a:t>noBlink</a:t>
-            </a:r>
-            <a:r>
-              <a:rPr lang="en-US" altLang="zh-CN" dirty="0"/>
-              <a:t>() </a:t>
-            </a:r>
-            <a:r>
-              <a:rPr lang="zh-CN" altLang="zh-CN" dirty="0"/>
-              <a:t>关闭闪烁的光标</a:t>
-            </a:r>
-          </a:p>
-          <a:p>
-            <a:r>
-              <a:rPr lang="en-US" altLang="zh-CN" dirty="0" err="1"/>
-              <a:t>lcd.noDisplay</a:t>
-            </a:r>
-            <a:r>
-              <a:rPr lang="en-US" altLang="zh-CN" dirty="0"/>
-              <a:t>()  </a:t>
-            </a:r>
-          </a:p>
-          <a:p>
-            <a:pPr lvl="1"/>
-            <a:r>
-              <a:rPr lang="en-US" altLang="zh-CN" dirty="0" err="1"/>
-              <a:t>noDisplay</a:t>
-            </a:r>
-            <a:r>
-              <a:rPr lang="en-US" altLang="zh-CN" dirty="0"/>
-              <a:t>() </a:t>
-            </a:r>
-            <a:r>
-              <a:rPr lang="zh-CN" altLang="zh-CN" dirty="0"/>
-              <a:t>关闭液晶显示，但原来显示的内容不会丢失</a:t>
-            </a:r>
-          </a:p>
-          <a:p>
-            <a:r>
-              <a:rPr lang="en-US" altLang="zh-CN" dirty="0" err="1"/>
-              <a:t>lcd.display</a:t>
-            </a:r>
-            <a:r>
-              <a:rPr lang="en-US" altLang="zh-CN" dirty="0"/>
-              <a:t>()</a:t>
-            </a:r>
-            <a:r>
-              <a:rPr lang="zh-CN" altLang="zh-CN" dirty="0"/>
-              <a:t>　</a:t>
-            </a:r>
-            <a:endParaRPr lang="en-US" altLang="zh-CN" dirty="0"/>
-          </a:p>
-          <a:p>
-            <a:pPr lvl="1"/>
-            <a:r>
-              <a:rPr lang="en-US" altLang="zh-CN" dirty="0"/>
-              <a:t>display() </a:t>
-            </a:r>
-            <a:r>
-              <a:rPr lang="zh-CN" altLang="zh-CN" dirty="0"/>
-              <a:t>恢复使用</a:t>
-            </a:r>
-            <a:r>
-              <a:rPr lang="en-US" altLang="zh-CN" dirty="0" err="1"/>
-              <a:t>noDisplay</a:t>
-            </a:r>
-            <a:r>
-              <a:rPr lang="en-US" altLang="zh-CN" dirty="0"/>
-              <a:t>()</a:t>
-            </a:r>
-            <a:r>
-              <a:rPr lang="zh-CN" altLang="zh-CN" dirty="0"/>
-              <a:t>函数隐藏的内容</a:t>
-            </a:r>
-          </a:p>
-        </p:txBody>
-      </p:sp>
-    </p:spTree>
-    <p:extLst>
-      <p:ext uri="{BB962C8B-B14F-4D97-AF65-F5344CB8AC3E}">
-        <p14:creationId xmlns:p14="http://schemas.microsoft.com/office/powerpoint/2010/main" val="3579044747"/>
-      </p:ext>
-    </p:extLst>
-  </p:cSld>
-  <p:clrMapOvr>
-    <a:masterClrMapping/>
-  </p:clrMapOvr>
-  <mc:AlternateContent xmlns:mc="http://schemas.openxmlformats.org/markup-compatibility/2006" xmlns:p14="http://schemas.microsoft.com/office/powerpoint/2010/main">
-    <mc:Choice Requires="p14">
-      <p:transition spd="slow" p14:dur="1250">
-        <p:push dir="u"/>
-      </p:transition>
-    </mc:Choice>
-    <mc:Fallback xmlns="">
-      <p:transition spd="slow">
-        <p:push dir="u"/>
-      </p:transition>
-    </mc:Fallback>
-  </mc:AlternateContent>
-</p:sld>
-</file>
-
-<file path=ppt/slides/slide23.xml><?xml version="1.0" encoding="utf-8"?>
-<p:sld xmlns:a="http://schemas.openxmlformats.org/drawingml/2006/main" xmlns:r="http://schemas.openxmlformats.org/officeDocument/2006/relationships" xmlns:p="http://schemas.openxmlformats.org/presentationml/2006/main">
-  <p:cSld>
-    <p:spTree>
-      <p:nvGrpSpPr>
-        <p:cNvPr id="1" name=""/>
-        <p:cNvGrpSpPr/>
-        <p:nvPr/>
-      </p:nvGrpSpPr>
-      <p:grpSpPr>
-        <a:xfrm>
-          <a:off x="0" y="0"/>
-          <a:ext cx="0" cy="0"/>
-          <a:chOff x="0" y="0"/>
-          <a:chExt cx="0" cy="0"/>
-        </a:xfrm>
-      </p:grpSpPr>
-      <p:sp>
-        <p:nvSpPr>
-          <p:cNvPr id="2" name="标题 1">
-            <a:extLst>
-              <a:ext uri="{FF2B5EF4-FFF2-40B4-BE49-F238E27FC236}">
-                <a16:creationId xmlns:a16="http://schemas.microsoft.com/office/drawing/2014/main" id="{3F65BDB4-115A-4FD0-A9A9-12D1F82878BE}"/>
-              </a:ext>
-            </a:extLst>
-          </p:cNvPr>
-          <p:cNvSpPr>
-            <a:spLocks noGrp="1"/>
-          </p:cNvSpPr>
-          <p:nvPr>
-            <p:ph type="title"/>
-          </p:nvPr>
-        </p:nvSpPr>
-        <p:spPr/>
-        <p:txBody>
-          <a:bodyPr/>
-          <a:lstStyle/>
-          <a:p>
-            <a:pPr algn="ctr"/>
-            <a:r>
-              <a:rPr lang="en-US" altLang="zh-CN" dirty="0" err="1"/>
-              <a:t>LiquidCrystal</a:t>
-            </a:r>
-            <a:r>
-              <a:rPr lang="zh-CN" altLang="en-US" dirty="0"/>
-              <a:t>库（续）</a:t>
-            </a:r>
-          </a:p>
-        </p:txBody>
-      </p:sp>
-      <p:sp>
-        <p:nvSpPr>
-          <p:cNvPr id="3" name="内容占位符 2">
-            <a:extLst>
-              <a:ext uri="{FF2B5EF4-FFF2-40B4-BE49-F238E27FC236}">
-                <a16:creationId xmlns:a16="http://schemas.microsoft.com/office/drawing/2014/main" id="{C22216EB-6083-4093-8DF7-AF9047C08995}"/>
-              </a:ext>
-            </a:extLst>
-          </p:cNvPr>
-          <p:cNvSpPr>
-            <a:spLocks noGrp="1"/>
-          </p:cNvSpPr>
-          <p:nvPr>
-            <p:ph idx="1"/>
-          </p:nvPr>
-        </p:nvSpPr>
-        <p:spPr/>
-        <p:txBody>
-          <a:bodyPr>
-            <a:normAutofit fontScale="55000" lnSpcReduction="20000"/>
-          </a:bodyPr>
-          <a:lstStyle/>
-          <a:p>
-            <a:r>
-              <a:rPr lang="en-US" altLang="zh-CN" dirty="0" err="1"/>
-              <a:t>lcd.scrollDisplayLeft</a:t>
-            </a:r>
-            <a:r>
-              <a:rPr lang="en-US" altLang="zh-CN" dirty="0"/>
-              <a:t>()  </a:t>
-            </a:r>
-          </a:p>
-          <a:p>
-            <a:pPr lvl="1"/>
-            <a:r>
-              <a:rPr lang="zh-CN" altLang="zh-CN" dirty="0"/>
-              <a:t>使屏幕上的内容向左滚动一个字符</a:t>
-            </a:r>
-          </a:p>
-          <a:p>
-            <a:r>
-              <a:rPr lang="en-US" altLang="zh-CN" dirty="0" err="1"/>
-              <a:t>lcd.scrollDisplayRight</a:t>
-            </a:r>
-            <a:r>
-              <a:rPr lang="en-US" altLang="zh-CN" dirty="0"/>
-              <a:t>() </a:t>
-            </a:r>
-          </a:p>
-          <a:p>
-            <a:pPr lvl="1"/>
-            <a:r>
-              <a:rPr lang="zh-CN" altLang="zh-CN" dirty="0"/>
-              <a:t>使屏幕上的内容向右滚动一个字符</a:t>
-            </a:r>
-          </a:p>
-          <a:p>
-            <a:r>
-              <a:rPr lang="en-US" altLang="zh-CN" dirty="0" err="1"/>
-              <a:t>lcd.leftToRight</a:t>
-            </a:r>
-            <a:r>
-              <a:rPr lang="en-US" altLang="zh-CN" dirty="0"/>
-              <a:t>() </a:t>
-            </a:r>
-          </a:p>
-          <a:p>
-            <a:pPr lvl="1"/>
-            <a:r>
-              <a:rPr lang="zh-CN" altLang="zh-CN" dirty="0"/>
-              <a:t>将文本从左到右写入屏幕，这意味着后续字符的显示将是从左向右的，但是不会影响先前显示的字符</a:t>
-            </a:r>
-            <a:endParaRPr lang="zh-CN" altLang="zh-CN" b="1" dirty="0"/>
-          </a:p>
-          <a:p>
-            <a:r>
-              <a:rPr lang="en-US" altLang="zh-CN" dirty="0" err="1"/>
-              <a:t>lcd.rightToLeft</a:t>
-            </a:r>
-            <a:r>
-              <a:rPr lang="en-US" altLang="zh-CN" dirty="0"/>
-              <a:t>()   </a:t>
-            </a:r>
-          </a:p>
-          <a:p>
-            <a:pPr lvl="1"/>
-            <a:r>
-              <a:rPr lang="zh-CN" altLang="zh-CN" dirty="0"/>
-              <a:t>将文本从右到左写入屏幕，这意味着后续字符的显示将是从右至左写入，但不影响先前显示的字符</a:t>
-            </a:r>
-            <a:endParaRPr lang="zh-CN" altLang="zh-CN" b="1" dirty="0"/>
-          </a:p>
-          <a:p>
-            <a:r>
-              <a:rPr lang="en-US" altLang="zh-CN" dirty="0" err="1"/>
-              <a:t>lcd.autoscroll</a:t>
-            </a:r>
-            <a:r>
-              <a:rPr lang="en-US" altLang="zh-CN" dirty="0"/>
-              <a:t>() </a:t>
-            </a:r>
-          </a:p>
-          <a:p>
-            <a:pPr lvl="1"/>
-            <a:r>
-              <a:rPr lang="zh-CN" altLang="zh-CN" dirty="0"/>
-              <a:t>打开液晶显示屏的自动滚动，将会使得当一个字符输出到</a:t>
-            </a:r>
-            <a:r>
-              <a:rPr lang="en-US" altLang="zh-CN" dirty="0"/>
-              <a:t>LCD</a:t>
-            </a:r>
-            <a:r>
-              <a:rPr lang="zh-CN" altLang="zh-CN" dirty="0"/>
-              <a:t>时，令先前的文本移动一个位置。</a:t>
-            </a:r>
-            <a:endParaRPr lang="en-US" altLang="zh-CN" dirty="0"/>
-          </a:p>
-          <a:p>
-            <a:r>
-              <a:rPr lang="en-US" altLang="zh-CN" dirty="0" err="1"/>
-              <a:t>lcd.noAutoscroll</a:t>
-            </a:r>
-            <a:r>
-              <a:rPr lang="en-US" altLang="zh-CN" dirty="0"/>
-              <a:t>()  </a:t>
-            </a:r>
-          </a:p>
-          <a:p>
-            <a:pPr lvl="1"/>
-            <a:r>
-              <a:rPr lang="zh-CN" altLang="zh-CN" dirty="0"/>
-              <a:t>关闭自动滚动功能</a:t>
-            </a:r>
-            <a:endParaRPr lang="zh-CN" altLang="zh-CN" b="1" dirty="0"/>
-          </a:p>
-        </p:txBody>
-      </p:sp>
-    </p:spTree>
-    <p:extLst>
-      <p:ext uri="{BB962C8B-B14F-4D97-AF65-F5344CB8AC3E}">
-        <p14:creationId xmlns:p14="http://schemas.microsoft.com/office/powerpoint/2010/main" val="328091438"/>
-      </p:ext>
-    </p:extLst>
-  </p:cSld>
-  <p:clrMapOvr>
-    <a:masterClrMapping/>
-  </p:clrMapOvr>
-  <mc:AlternateContent xmlns:mc="http://schemas.openxmlformats.org/markup-compatibility/2006" xmlns:p14="http://schemas.microsoft.com/office/powerpoint/2010/main">
-    <mc:Choice Requires="p14">
-      <p:transition spd="slow" p14:dur="1250">
-        <p:push dir="u"/>
-      </p:transition>
-    </mc:Choice>
-    <mc:Fallback xmlns="">
-      <p:transition spd="slow">
-        <p:push dir="u"/>
-      </p:transition>
-    </mc:Fallback>
-  </mc:AlternateContent>
-</p:sld>
-</file>
-
-<file path=ppt/slides/slide24.xml><?xml version="1.0" encoding="utf-8"?>
-<p:sld xmlns:a="http://schemas.openxmlformats.org/drawingml/2006/main" xmlns:r="http://schemas.openxmlformats.org/officeDocument/2006/relationships" xmlns:p="http://schemas.openxmlformats.org/presentationml/2006/main">
-  <p:cSld>
-    <p:spTree>
-      <p:nvGrpSpPr>
-        <p:cNvPr id="1" name=""/>
-        <p:cNvGrpSpPr/>
-        <p:nvPr/>
-      </p:nvGrpSpPr>
-      <p:grpSpPr>
-        <a:xfrm>
-          <a:off x="0" y="0"/>
-          <a:ext cx="0" cy="0"/>
-          <a:chOff x="0" y="0"/>
-          <a:chExt cx="0" cy="0"/>
-        </a:xfrm>
-      </p:grpSpPr>
-      <p:sp>
-        <p:nvSpPr>
-          <p:cNvPr id="2" name="标题 1">
-            <a:extLst>
-              <a:ext uri="{FF2B5EF4-FFF2-40B4-BE49-F238E27FC236}">
-                <a16:creationId xmlns:a16="http://schemas.microsoft.com/office/drawing/2014/main" id="{B7A64B36-7591-41C9-8590-BB849D44C623}"/>
-              </a:ext>
-            </a:extLst>
-          </p:cNvPr>
-          <p:cNvSpPr>
-            <a:spLocks noGrp="1"/>
-          </p:cNvSpPr>
-          <p:nvPr>
-            <p:ph type="title"/>
-          </p:nvPr>
-        </p:nvSpPr>
-        <p:spPr/>
-        <p:txBody>
-          <a:bodyPr/>
-          <a:lstStyle/>
-          <a:p>
-            <a:pPr algn="ctr"/>
-            <a:r>
-              <a:rPr lang="en-US" altLang="zh-CN" dirty="0" err="1"/>
-              <a:t>LiquidCrystal</a:t>
-            </a:r>
-            <a:r>
-              <a:rPr lang="zh-CN" altLang="en-US" dirty="0"/>
-              <a:t>库（续）</a:t>
-            </a:r>
-          </a:p>
-        </p:txBody>
-      </p:sp>
-      <p:sp>
-        <p:nvSpPr>
-          <p:cNvPr id="3" name="内容占位符 2">
-            <a:extLst>
-              <a:ext uri="{FF2B5EF4-FFF2-40B4-BE49-F238E27FC236}">
-                <a16:creationId xmlns:a16="http://schemas.microsoft.com/office/drawing/2014/main" id="{B9D17239-3DB0-4976-A135-3821FB16E092}"/>
-              </a:ext>
-            </a:extLst>
-          </p:cNvPr>
-          <p:cNvSpPr>
-            <a:spLocks noGrp="1"/>
-          </p:cNvSpPr>
-          <p:nvPr>
-            <p:ph idx="1"/>
-          </p:nvPr>
-        </p:nvSpPr>
-        <p:spPr/>
-        <p:txBody>
-          <a:bodyPr/>
-          <a:lstStyle/>
-          <a:p>
-            <a:r>
-              <a:rPr lang="en-US" altLang="zh-CN" dirty="0" err="1"/>
-              <a:t>lcd.createChar</a:t>
-            </a:r>
-            <a:r>
-              <a:rPr lang="en-US" altLang="zh-CN" dirty="0"/>
-              <a:t>(num, data)  </a:t>
-            </a:r>
-          </a:p>
-          <a:p>
-            <a:pPr lvl="1"/>
-            <a:r>
-              <a:rPr lang="zh-CN" altLang="zh-CN" dirty="0"/>
-              <a:t>创建用户自定义的字符，共可创建</a:t>
-            </a:r>
-            <a:r>
-              <a:rPr lang="en-US" altLang="zh-CN" dirty="0"/>
-              <a:t>8</a:t>
-            </a:r>
-            <a:r>
-              <a:rPr lang="zh-CN" altLang="zh-CN" dirty="0"/>
-              <a:t>个用户自定义字符，编号从</a:t>
-            </a:r>
-            <a:r>
-              <a:rPr lang="en-US" altLang="zh-CN" dirty="0"/>
-              <a:t>0-7</a:t>
-            </a:r>
-            <a:r>
-              <a:rPr lang="zh-CN" altLang="zh-CN" dirty="0"/>
-              <a:t>，自定义的字符是由一个</a:t>
-            </a:r>
-            <a:r>
-              <a:rPr lang="en-US" altLang="zh-CN" dirty="0"/>
-              <a:t>5*7</a:t>
-            </a:r>
-            <a:r>
-              <a:rPr lang="zh-CN" altLang="zh-CN" dirty="0"/>
-              <a:t>的像素构成，</a:t>
-            </a:r>
-            <a:r>
-              <a:rPr lang="en-US" altLang="zh-CN" dirty="0"/>
-              <a:t>1</a:t>
-            </a:r>
-            <a:r>
-              <a:rPr lang="zh-CN" altLang="zh-CN" dirty="0"/>
-              <a:t>表示亮，</a:t>
-            </a:r>
-            <a:r>
-              <a:rPr lang="en-US" altLang="zh-CN" dirty="0"/>
-              <a:t>0</a:t>
-            </a:r>
-            <a:r>
-              <a:rPr lang="zh-CN" altLang="zh-CN" dirty="0"/>
-              <a:t>表示暗</a:t>
-            </a:r>
-            <a:endParaRPr lang="en-US" altLang="zh-CN" b="1" dirty="0"/>
-          </a:p>
-          <a:p>
-            <a:pPr lvl="1"/>
-            <a:r>
-              <a:rPr lang="en-US" altLang="zh-CN" dirty="0" err="1"/>
-              <a:t>lcd</a:t>
-            </a:r>
-            <a:r>
-              <a:rPr lang="en-US" altLang="zh-CN" dirty="0"/>
-              <a:t>:   a variable of type </a:t>
-            </a:r>
-            <a:r>
-              <a:rPr lang="en-US" altLang="zh-CN" dirty="0" err="1"/>
-              <a:t>LiquidCrystal</a:t>
-            </a:r>
-            <a:r>
-              <a:rPr lang="en-US" altLang="zh-CN" dirty="0"/>
-              <a:t> </a:t>
-            </a:r>
-            <a:br>
-              <a:rPr lang="en-US" altLang="zh-CN" dirty="0"/>
-            </a:br>
-            <a:r>
-              <a:rPr lang="en-US" altLang="zh-CN" dirty="0"/>
-              <a:t>num: </a:t>
-            </a:r>
-            <a:r>
-              <a:rPr lang="zh-CN" altLang="zh-CN" dirty="0"/>
-              <a:t>所创建字符的编号</a:t>
-            </a:r>
-            <a:r>
-              <a:rPr lang="en-US" altLang="zh-CN" dirty="0"/>
-              <a:t>(0-7) </a:t>
-            </a:r>
-            <a:br>
-              <a:rPr lang="en-US" altLang="zh-CN" dirty="0"/>
-            </a:br>
-            <a:r>
-              <a:rPr lang="en-US" altLang="zh-CN" dirty="0"/>
-              <a:t>data: </a:t>
-            </a:r>
-            <a:r>
-              <a:rPr lang="zh-CN" altLang="zh-CN" dirty="0"/>
-              <a:t>字符的像素数据</a:t>
-            </a:r>
-            <a:endParaRPr lang="zh-CN" altLang="zh-CN" b="1" dirty="0"/>
-          </a:p>
-          <a:p>
-            <a:endParaRPr lang="zh-CN" altLang="en-US" dirty="0"/>
-          </a:p>
-        </p:txBody>
-      </p:sp>
-    </p:spTree>
-    <p:extLst>
-      <p:ext uri="{BB962C8B-B14F-4D97-AF65-F5344CB8AC3E}">
-        <p14:creationId xmlns:p14="http://schemas.microsoft.com/office/powerpoint/2010/main" val="223442102"/>
-      </p:ext>
-    </p:extLst>
-  </p:cSld>
-  <p:clrMapOvr>
-    <a:masterClrMapping/>
-  </p:clrMapOvr>
-  <mc:AlternateContent xmlns:mc="http://schemas.openxmlformats.org/markup-compatibility/2006" xmlns:p14="http://schemas.microsoft.com/office/powerpoint/2010/main">
-    <mc:Choice Requires="p14">
-      <p:transition spd="slow" p14:dur="1250">
-        <p:push dir="u"/>
-      </p:transition>
-    </mc:Choice>
-    <mc:Fallback xmlns="">
-      <p:transition spd="slow">
-        <p:push dir="u"/>
-      </p:transition>
-    </mc:Fallback>
-  </mc:AlternateContent>
-</p:sld>
-</file>
-
-<file path=ppt/slides/slide25.xml><?xml version="1.0" encoding="utf-8"?>
-<p:sld xmlns:a="http://schemas.openxmlformats.org/drawingml/2006/main" xmlns:r="http://schemas.openxmlformats.org/officeDocument/2006/relationships" xmlns:p="http://schemas.openxmlformats.org/presentationml/2006/main">
-  <p:cSld>
-    <p:spTree>
-      <p:nvGrpSpPr>
-        <p:cNvPr id="1" name=""/>
-        <p:cNvGrpSpPr/>
-        <p:nvPr/>
-      </p:nvGrpSpPr>
-      <p:grpSpPr>
-        <a:xfrm>
-          <a:off x="0" y="0"/>
-          <a:ext cx="0" cy="0"/>
-          <a:chOff x="0" y="0"/>
-          <a:chExt cx="0" cy="0"/>
-        </a:xfrm>
-      </p:grpSpPr>
-      <p:sp>
-        <p:nvSpPr>
-          <p:cNvPr id="2" name="标题 1">
-            <a:extLst>
-              <a:ext uri="{FF2B5EF4-FFF2-40B4-BE49-F238E27FC236}">
-                <a16:creationId xmlns:a16="http://schemas.microsoft.com/office/drawing/2014/main" id="{AF148EB3-81E2-4AF4-8789-73E43EF75B0B}"/>
-              </a:ext>
-            </a:extLst>
-          </p:cNvPr>
-          <p:cNvSpPr>
-            <a:spLocks noGrp="1"/>
-          </p:cNvSpPr>
-          <p:nvPr>
-            <p:ph type="title"/>
-          </p:nvPr>
-        </p:nvSpPr>
-        <p:spPr/>
-        <p:txBody>
-          <a:bodyPr/>
-          <a:lstStyle/>
-          <a:p>
-            <a:pPr algn="ctr"/>
-            <a:r>
-              <a:rPr lang="zh-CN" altLang="en-US" dirty="0"/>
-              <a:t>实验</a:t>
-            </a:r>
-            <a:r>
-              <a:rPr lang="en-US" altLang="zh-CN" dirty="0"/>
-              <a:t>9</a:t>
-            </a:r>
-            <a:r>
-              <a:rPr lang="zh-CN" altLang="en-US" dirty="0"/>
-              <a:t>：</a:t>
-            </a:r>
-            <a:r>
-              <a:rPr lang="en-US" altLang="zh-CN" dirty="0"/>
-              <a:t>LCD</a:t>
-            </a:r>
-            <a:r>
-              <a:rPr lang="zh-CN" altLang="en-US" dirty="0"/>
-              <a:t>显示</a:t>
-            </a:r>
-          </a:p>
-        </p:txBody>
-      </p:sp>
-      <p:sp>
-        <p:nvSpPr>
-          <p:cNvPr id="3" name="内容占位符 2">
-            <a:extLst>
-              <a:ext uri="{FF2B5EF4-FFF2-40B4-BE49-F238E27FC236}">
-                <a16:creationId xmlns:a16="http://schemas.microsoft.com/office/drawing/2014/main" id="{F69668C6-6675-48F3-8C93-129F981718EB}"/>
-              </a:ext>
-            </a:extLst>
-          </p:cNvPr>
-          <p:cNvSpPr>
-            <a:spLocks noGrp="1"/>
-          </p:cNvSpPr>
-          <p:nvPr>
-            <p:ph idx="1"/>
-          </p:nvPr>
-        </p:nvSpPr>
-        <p:spPr/>
-        <p:txBody>
-          <a:bodyPr>
-            <a:normAutofit fontScale="85000" lnSpcReduction="20000"/>
-          </a:bodyPr>
-          <a:lstStyle/>
-          <a:p>
-            <a:r>
-              <a:rPr lang="zh-CN" altLang="en-US" dirty="0"/>
-              <a:t>显示英文</a:t>
-            </a:r>
-            <a:endParaRPr lang="en-US" altLang="zh-CN" dirty="0"/>
-          </a:p>
-          <a:p>
-            <a:r>
-              <a:rPr lang="zh-CN" altLang="en-US" dirty="0"/>
-              <a:t>循环显示英文</a:t>
-            </a:r>
-            <a:endParaRPr lang="en-US" altLang="zh-CN" dirty="0"/>
-          </a:p>
-          <a:p>
-            <a:r>
-              <a:rPr lang="zh-CN" altLang="en-US" dirty="0"/>
-              <a:t>左右移动英文</a:t>
-            </a:r>
-            <a:endParaRPr lang="en-US" altLang="zh-CN" dirty="0"/>
-          </a:p>
-          <a:p>
-            <a:r>
-              <a:rPr lang="zh-CN" altLang="en-US" dirty="0"/>
-              <a:t>实验器材</a:t>
-            </a:r>
-            <a:endParaRPr lang="en-US" altLang="zh-CN" dirty="0"/>
-          </a:p>
-          <a:p>
-            <a:pPr marL="914400" lvl="1" indent="-457200">
-              <a:buFont typeface="+mj-lt"/>
-              <a:buAutoNum type="arabicPeriod"/>
-            </a:pPr>
-            <a:r>
-              <a:rPr lang="en-US" altLang="zh-CN" dirty="0" err="1"/>
-              <a:t>arduino</a:t>
-            </a:r>
-            <a:r>
-              <a:rPr lang="zh-CN" altLang="zh-CN" dirty="0"/>
-              <a:t>板子</a:t>
-            </a:r>
-            <a:endParaRPr lang="zh-CN" altLang="zh-CN" sz="700" dirty="0"/>
-          </a:p>
-          <a:p>
-            <a:pPr marL="914400" lvl="1" indent="-457200">
-              <a:buFont typeface="+mj-lt"/>
-              <a:buAutoNum type="arabicPeriod"/>
-            </a:pPr>
-            <a:r>
-              <a:rPr lang="en-US" altLang="zh-CN" dirty="0"/>
-              <a:t>USB</a:t>
-            </a:r>
-            <a:r>
-              <a:rPr lang="zh-CN" altLang="zh-CN" dirty="0"/>
-              <a:t>下载线</a:t>
-            </a:r>
-            <a:endParaRPr lang="zh-CN" altLang="zh-CN" sz="700" dirty="0"/>
-          </a:p>
-          <a:p>
-            <a:pPr marL="914400" lvl="1" indent="-457200">
-              <a:buFont typeface="+mj-lt"/>
-              <a:buAutoNum type="arabicPeriod"/>
-            </a:pPr>
-            <a:r>
-              <a:rPr lang="zh-CN" altLang="zh-CN" dirty="0"/>
-              <a:t>面包板</a:t>
-            </a:r>
-            <a:r>
-              <a:rPr lang="zh-CN" altLang="en-US" dirty="0"/>
-              <a:t>及跳线若干</a:t>
-            </a:r>
-            <a:endParaRPr lang="zh-CN" altLang="zh-CN" sz="700" dirty="0"/>
-          </a:p>
-          <a:p>
-            <a:pPr marL="914400" lvl="1" indent="-457200">
-              <a:buFont typeface="+mj-lt"/>
-              <a:buAutoNum type="arabicPeriod"/>
-            </a:pPr>
-            <a:r>
-              <a:rPr lang="en-US" altLang="zh-CN" dirty="0"/>
-              <a:t>1602</a:t>
-            </a:r>
-            <a:r>
-              <a:rPr lang="zh-CN" altLang="zh-CN" dirty="0"/>
-              <a:t>显示屏</a:t>
-            </a:r>
-            <a:r>
-              <a:rPr lang="en-US" altLang="zh-CN" dirty="0"/>
-              <a:t>1</a:t>
-            </a:r>
-            <a:r>
-              <a:rPr lang="zh-CN" altLang="zh-CN" dirty="0"/>
-              <a:t>个</a:t>
-            </a:r>
-            <a:endParaRPr lang="zh-CN" altLang="zh-CN" sz="700" dirty="0"/>
-          </a:p>
-          <a:p>
-            <a:pPr marL="914400" lvl="1" indent="-457200">
-              <a:buFont typeface="+mj-lt"/>
-              <a:buAutoNum type="arabicPeriod"/>
-            </a:pPr>
-            <a:r>
-              <a:rPr lang="zh-CN" altLang="zh-CN" dirty="0"/>
-              <a:t>电位器</a:t>
-            </a:r>
-            <a:r>
-              <a:rPr lang="en-US" altLang="zh-CN" dirty="0"/>
-              <a:t>1</a:t>
-            </a:r>
-            <a:r>
-              <a:rPr lang="zh-CN" altLang="zh-CN" dirty="0"/>
-              <a:t>个</a:t>
-            </a:r>
-            <a:endParaRPr lang="zh-CN" altLang="zh-CN" sz="700" dirty="0"/>
-          </a:p>
-        </p:txBody>
-      </p:sp>
-    </p:spTree>
-    <p:extLst>
-      <p:ext uri="{BB962C8B-B14F-4D97-AF65-F5344CB8AC3E}">
-        <p14:creationId xmlns:p14="http://schemas.microsoft.com/office/powerpoint/2010/main" val="1420460488"/>
-      </p:ext>
-    </p:extLst>
-  </p:cSld>
-  <p:clrMapOvr>
-    <a:masterClrMapping/>
-  </p:clrMapOvr>
-  <mc:AlternateContent xmlns:mc="http://schemas.openxmlformats.org/markup-compatibility/2006" xmlns:p14="http://schemas.microsoft.com/office/powerpoint/2010/main">
-    <mc:Choice Requires="p14">
-      <p:transition spd="slow" p14:dur="1250">
-        <p:push dir="u"/>
-      </p:transition>
-    </mc:Choice>
-    <mc:Fallback xmlns="">
-      <p:transition spd="slow">
-        <p:push dir="u"/>
-      </p:transition>
-    </mc:Fallback>
-  </mc:AlternateContent>
-</p:sld>
-</file>
-
-<file path=ppt/slides/slide26.xml><?xml version="1.0" encoding="utf-8"?>
-<p:sld xmlns:a="http://schemas.openxmlformats.org/drawingml/2006/main" xmlns:r="http://schemas.openxmlformats.org/officeDocument/2006/relationships" xmlns:p="http://schemas.openxmlformats.org/presentationml/2006/main">
-  <p:cSld>
-    <p:spTree>
-      <p:nvGrpSpPr>
-        <p:cNvPr id="1" name=""/>
-        <p:cNvGrpSpPr/>
-        <p:nvPr/>
-      </p:nvGrpSpPr>
-      <p:grpSpPr>
-        <a:xfrm>
-          <a:off x="0" y="0"/>
-          <a:ext cx="0" cy="0"/>
-          <a:chOff x="0" y="0"/>
-          <a:chExt cx="0" cy="0"/>
-        </a:xfrm>
-      </p:grpSpPr>
-      <p:sp>
-        <p:nvSpPr>
-          <p:cNvPr id="2" name="标题 1">
-            <a:extLst>
-              <a:ext uri="{FF2B5EF4-FFF2-40B4-BE49-F238E27FC236}">
-                <a16:creationId xmlns:a16="http://schemas.microsoft.com/office/drawing/2014/main" id="{68DA8B6E-FC5C-46D5-9370-E8776B1C8B88}"/>
-              </a:ext>
-            </a:extLst>
-          </p:cNvPr>
-          <p:cNvSpPr>
-            <a:spLocks noGrp="1"/>
-          </p:cNvSpPr>
-          <p:nvPr>
-            <p:ph type="title"/>
-          </p:nvPr>
-        </p:nvSpPr>
-        <p:spPr/>
-        <p:txBody>
-          <a:bodyPr>
-            <a:normAutofit/>
-          </a:bodyPr>
-          <a:lstStyle/>
-          <a:p>
-            <a:r>
-              <a:rPr lang="zh-CN" altLang="en-US" sz="2800" dirty="0"/>
-              <a:t>实验原理图</a:t>
-            </a:r>
-          </a:p>
-        </p:txBody>
-      </p:sp>
-      <p:pic>
-        <p:nvPicPr>
-          <p:cNvPr id="4" name="内容占位符 3">
-            <a:extLst>
-              <a:ext uri="{FF2B5EF4-FFF2-40B4-BE49-F238E27FC236}">
-                <a16:creationId xmlns:a16="http://schemas.microsoft.com/office/drawing/2014/main" id="{1758961C-38E1-4435-B4BF-C713DF3977AC}"/>
+                <a16:creationId xmlns:a16="http://schemas.microsoft.com/office/drawing/2014/main" id="{38A37512-9C46-FFAD-8DEB-22098892F829}"/>
               </a:ext>
             </a:extLst>
           </p:cNvPr>
           <p:cNvPicPr>
-            <a:picLocks noGrp="1"/>
+            <a:picLocks noChangeAspect="1"/>
           </p:cNvPicPr>
-          <p:nvPr>
-            <p:ph idx="1"/>
-          </p:nvPr>
+          <p:nvPr/>
         </p:nvPicPr>
         <p:blipFill>
           <a:blip r:embed="rId2"/>
@@ -11122,136 +7304,18 @@
         </p:blipFill>
         <p:spPr>
           <a:xfrm>
-            <a:off x="4588506" y="2667000"/>
-            <a:ext cx="3715076" cy="3332163"/>
+            <a:off x="6877686" y="7620"/>
+            <a:ext cx="3772535" cy="673100"/>
           </a:xfrm>
           <a:prstGeom prst="rect">
             <a:avLst/>
           </a:prstGeom>
-          <a:noFill/>
-          <a:ln w="9525">
-            <a:noFill/>
-          </a:ln>
         </p:spPr>
       </p:pic>
     </p:spTree>
     <p:extLst>
       <p:ext uri="{BB962C8B-B14F-4D97-AF65-F5344CB8AC3E}">
-        <p14:creationId xmlns:p14="http://schemas.microsoft.com/office/powerpoint/2010/main" val="3313546694"/>
-      </p:ext>
-    </p:extLst>
-  </p:cSld>
-  <p:clrMapOvr>
-    <a:masterClrMapping/>
-  </p:clrMapOvr>
-  <mc:AlternateContent xmlns:mc="http://schemas.openxmlformats.org/markup-compatibility/2006" xmlns:p14="http://schemas.microsoft.com/office/powerpoint/2010/main">
-    <mc:Choice Requires="p14">
-      <p:transition spd="slow" p14:dur="1250">
-        <p:push dir="u"/>
-      </p:transition>
-    </mc:Choice>
-    <mc:Fallback xmlns="">
-      <p:transition spd="slow">
-        <p:push dir="u"/>
-      </p:transition>
-    </mc:Fallback>
-  </mc:AlternateContent>
-</p:sld>
-</file>
-
-<file path=ppt/slides/slide27.xml><?xml version="1.0" encoding="utf-8"?>
-<p:sld xmlns:a="http://schemas.openxmlformats.org/drawingml/2006/main" xmlns:r="http://schemas.openxmlformats.org/officeDocument/2006/relationships" xmlns:p="http://schemas.openxmlformats.org/presentationml/2006/main">
-  <p:cSld>
-    <p:spTree>
-      <p:nvGrpSpPr>
-        <p:cNvPr id="1" name=""/>
-        <p:cNvGrpSpPr/>
-        <p:nvPr/>
-      </p:nvGrpSpPr>
-      <p:grpSpPr>
-        <a:xfrm>
-          <a:off x="0" y="0"/>
-          <a:ext cx="0" cy="0"/>
-          <a:chOff x="0" y="0"/>
-          <a:chExt cx="0" cy="0"/>
-        </a:xfrm>
-      </p:grpSpPr>
-      <p:sp>
-        <p:nvSpPr>
-          <p:cNvPr id="2" name="标题 1">
-            <a:extLst>
-              <a:ext uri="{FF2B5EF4-FFF2-40B4-BE49-F238E27FC236}">
-                <a16:creationId xmlns:a16="http://schemas.microsoft.com/office/drawing/2014/main" id="{C3FAC90E-1FF4-48F4-9B52-18F93E8B59BB}"/>
-              </a:ext>
-            </a:extLst>
-          </p:cNvPr>
-          <p:cNvSpPr>
-            <a:spLocks noGrp="1"/>
-          </p:cNvSpPr>
-          <p:nvPr>
-            <p:ph type="title"/>
-          </p:nvPr>
-        </p:nvSpPr>
-        <p:spPr/>
-        <p:txBody>
-          <a:bodyPr>
-            <a:normAutofit/>
-          </a:bodyPr>
-          <a:lstStyle/>
-          <a:p>
-            <a:r>
-              <a:rPr lang="zh-CN" altLang="en-US" sz="2800" dirty="0"/>
-              <a:t>实物图</a:t>
-            </a:r>
-          </a:p>
-        </p:txBody>
-      </p:sp>
-      <p:pic>
-        <p:nvPicPr>
-          <p:cNvPr id="4" name="内容占位符 3" descr="C:\Users\lyt\Desktop\QQ图片20171213160910.png">
-            <a:extLst>
-              <a:ext uri="{FF2B5EF4-FFF2-40B4-BE49-F238E27FC236}">
-                <a16:creationId xmlns:a16="http://schemas.microsoft.com/office/drawing/2014/main" id="{D57642C3-796B-40CE-BBE3-EB0DC6439235}"/>
-              </a:ext>
-            </a:extLst>
-          </p:cNvPr>
-          <p:cNvPicPr>
-            <a:picLocks noGrp="1"/>
-          </p:cNvPicPr>
-          <p:nvPr>
-            <p:ph idx="1"/>
-          </p:nvPr>
-        </p:nvPicPr>
-        <p:blipFill>
-          <a:blip r:embed="rId2">
-            <a:extLst>
-              <a:ext uri="{28A0092B-C50C-407E-A947-70E740481C1C}">
-                <a14:useLocalDpi xmlns:a14="http://schemas.microsoft.com/office/drawing/2010/main" val="0"/>
-              </a:ext>
-            </a:extLst>
-          </a:blip>
-          <a:stretch>
-            <a:fillRect/>
-          </a:stretch>
-        </p:blipFill>
-        <p:spPr>
-          <a:xfrm>
-            <a:off x="2918371" y="2667000"/>
-            <a:ext cx="7055345" cy="3332163"/>
-          </a:xfrm>
-          <a:prstGeom prst="rect">
-            <a:avLst/>
-          </a:prstGeom>
-          <a:noFill/>
-          <a:ln>
-            <a:noFill/>
-          </a:ln>
-        </p:spPr>
-      </p:pic>
-    </p:spTree>
-    <p:extLst>
-      <p:ext uri="{BB962C8B-B14F-4D97-AF65-F5344CB8AC3E}">
-        <p14:creationId xmlns:p14="http://schemas.microsoft.com/office/powerpoint/2010/main" val="3653871651"/>
+        <p14:creationId xmlns:p14="http://schemas.microsoft.com/office/powerpoint/2010/main" val="185976616"/>
       </p:ext>
     </p:extLst>
   </p:cSld>
@@ -11374,6 +7438,36 @@
           </a:p>
         </p:txBody>
       </p:sp>
+      <p:pic>
+        <p:nvPicPr>
+          <p:cNvPr id="4" name="图片 3">
+            <a:extLst>
+              <a:ext uri="{FF2B5EF4-FFF2-40B4-BE49-F238E27FC236}">
+                <a16:creationId xmlns:a16="http://schemas.microsoft.com/office/drawing/2014/main" id="{14BC4502-B3DC-0C52-4EBF-354B480573F7}"/>
+              </a:ext>
+            </a:extLst>
+          </p:cNvPr>
+          <p:cNvPicPr>
+            <a:picLocks noChangeAspect="1"/>
+          </p:cNvPicPr>
+          <p:nvPr/>
+        </p:nvPicPr>
+        <p:blipFill>
+          <a:blip r:embed="rId2"/>
+          <a:stretch>
+            <a:fillRect/>
+          </a:stretch>
+        </p:blipFill>
+        <p:spPr>
+          <a:xfrm>
+            <a:off x="6877686" y="7620"/>
+            <a:ext cx="3772535" cy="673100"/>
+          </a:xfrm>
+          <a:prstGeom prst="rect">
+            <a:avLst/>
+          </a:prstGeom>
+        </p:spPr>
+      </p:pic>
     </p:spTree>
     <p:extLst>
       <p:ext uri="{BB962C8B-B14F-4D97-AF65-F5344CB8AC3E}">
@@ -11519,6 +7613,36 @@
           </a:p>
         </p:txBody>
       </p:sp>
+      <p:pic>
+        <p:nvPicPr>
+          <p:cNvPr id="4" name="图片 3">
+            <a:extLst>
+              <a:ext uri="{FF2B5EF4-FFF2-40B4-BE49-F238E27FC236}">
+                <a16:creationId xmlns:a16="http://schemas.microsoft.com/office/drawing/2014/main" id="{3CC5BF68-E260-5011-24D8-9D20F2CB9FB8}"/>
+              </a:ext>
+            </a:extLst>
+          </p:cNvPr>
+          <p:cNvPicPr>
+            <a:picLocks noChangeAspect="1"/>
+          </p:cNvPicPr>
+          <p:nvPr/>
+        </p:nvPicPr>
+        <p:blipFill>
+          <a:blip r:embed="rId2"/>
+          <a:stretch>
+            <a:fillRect/>
+          </a:stretch>
+        </p:blipFill>
+        <p:spPr>
+          <a:xfrm>
+            <a:off x="6877686" y="7620"/>
+            <a:ext cx="3772535" cy="673100"/>
+          </a:xfrm>
+          <a:prstGeom prst="rect">
+            <a:avLst/>
+          </a:prstGeom>
+        </p:spPr>
+      </p:pic>
     </p:spTree>
     <p:extLst>
       <p:ext uri="{BB962C8B-B14F-4D97-AF65-F5344CB8AC3E}">
@@ -11657,6 +7781,36 @@
           </a:p>
         </p:txBody>
       </p:sp>
+      <p:pic>
+        <p:nvPicPr>
+          <p:cNvPr id="4" name="图片 3">
+            <a:extLst>
+              <a:ext uri="{FF2B5EF4-FFF2-40B4-BE49-F238E27FC236}">
+                <a16:creationId xmlns:a16="http://schemas.microsoft.com/office/drawing/2014/main" id="{5C7C00CB-54A8-88D9-A749-C3E6369F1DB2}"/>
+              </a:ext>
+            </a:extLst>
+          </p:cNvPr>
+          <p:cNvPicPr>
+            <a:picLocks noChangeAspect="1"/>
+          </p:cNvPicPr>
+          <p:nvPr/>
+        </p:nvPicPr>
+        <p:blipFill>
+          <a:blip r:embed="rId2"/>
+          <a:stretch>
+            <a:fillRect/>
+          </a:stretch>
+        </p:blipFill>
+        <p:spPr>
+          <a:xfrm>
+            <a:off x="6877686" y="7620"/>
+            <a:ext cx="3772535" cy="673100"/>
+          </a:xfrm>
+          <a:prstGeom prst="rect">
+            <a:avLst/>
+          </a:prstGeom>
+        </p:spPr>
+      </p:pic>
     </p:spTree>
     <p:extLst>
       <p:ext uri="{BB962C8B-B14F-4D97-AF65-F5344CB8AC3E}">
@@ -11854,6 +8008,36 @@
           </a:prstGeom>
         </p:spPr>
       </p:pic>
+      <p:pic>
+        <p:nvPicPr>
+          <p:cNvPr id="9" name="图片 8">
+            <a:extLst>
+              <a:ext uri="{FF2B5EF4-FFF2-40B4-BE49-F238E27FC236}">
+                <a16:creationId xmlns:a16="http://schemas.microsoft.com/office/drawing/2014/main" id="{5863EFE1-E098-CD1B-CC1A-1087ED78DA8A}"/>
+              </a:ext>
+            </a:extLst>
+          </p:cNvPr>
+          <p:cNvPicPr>
+            <a:picLocks noChangeAspect="1"/>
+          </p:cNvPicPr>
+          <p:nvPr/>
+        </p:nvPicPr>
+        <p:blipFill>
+          <a:blip r:embed="rId4"/>
+          <a:stretch>
+            <a:fillRect/>
+          </a:stretch>
+        </p:blipFill>
+        <p:spPr>
+          <a:xfrm>
+            <a:off x="6877686" y="7620"/>
+            <a:ext cx="3772535" cy="673100"/>
+          </a:xfrm>
+          <a:prstGeom prst="rect">
+            <a:avLst/>
+          </a:prstGeom>
+        </p:spPr>
+      </p:pic>
     </p:spTree>
     <p:extLst>
       <p:ext uri="{BB962C8B-B14F-4D97-AF65-F5344CB8AC3E}">
@@ -12049,6 +8233,36 @@
           </a:p>
         </p:txBody>
       </p:sp>
+      <p:pic>
+        <p:nvPicPr>
+          <p:cNvPr id="4" name="图片 3">
+            <a:extLst>
+              <a:ext uri="{FF2B5EF4-FFF2-40B4-BE49-F238E27FC236}">
+                <a16:creationId xmlns:a16="http://schemas.microsoft.com/office/drawing/2014/main" id="{29139C56-7C5A-42C6-5069-3190B40F6388}"/>
+              </a:ext>
+            </a:extLst>
+          </p:cNvPr>
+          <p:cNvPicPr>
+            <a:picLocks noChangeAspect="1"/>
+          </p:cNvPicPr>
+          <p:nvPr/>
+        </p:nvPicPr>
+        <p:blipFill>
+          <a:blip r:embed="rId2"/>
+          <a:stretch>
+            <a:fillRect/>
+          </a:stretch>
+        </p:blipFill>
+        <p:spPr>
+          <a:xfrm>
+            <a:off x="6877686" y="7620"/>
+            <a:ext cx="3772535" cy="673100"/>
+          </a:xfrm>
+          <a:prstGeom prst="rect">
+            <a:avLst/>
+          </a:prstGeom>
+        </p:spPr>
+      </p:pic>
     </p:spTree>
     <p:extLst>
       <p:ext uri="{BB962C8B-B14F-4D97-AF65-F5344CB8AC3E}">
@@ -12117,6 +8331,36 @@
           <a:xfrm>
             <a:off x="2755106" y="666750"/>
             <a:ext cx="6681788" cy="5524500"/>
+          </a:xfrm>
+          <a:prstGeom prst="rect">
+            <a:avLst/>
+          </a:prstGeom>
+        </p:spPr>
+      </p:pic>
+      <p:pic>
+        <p:nvPicPr>
+          <p:cNvPr id="3" name="图片 2">
+            <a:extLst>
+              <a:ext uri="{FF2B5EF4-FFF2-40B4-BE49-F238E27FC236}">
+                <a16:creationId xmlns:a16="http://schemas.microsoft.com/office/drawing/2014/main" id="{B5129540-7EAD-3263-83FC-643D94C90E18}"/>
+              </a:ext>
+            </a:extLst>
+          </p:cNvPr>
+          <p:cNvPicPr>
+            <a:picLocks noChangeAspect="1"/>
+          </p:cNvPicPr>
+          <p:nvPr/>
+        </p:nvPicPr>
+        <p:blipFill>
+          <a:blip r:embed="rId3"/>
+          <a:stretch>
+            <a:fillRect/>
+          </a:stretch>
+        </p:blipFill>
+        <p:spPr>
+          <a:xfrm>
+            <a:off x="6877686" y="7620"/>
+            <a:ext cx="3772535" cy="673100"/>
           </a:xfrm>
           <a:prstGeom prst="rect">
             <a:avLst/>
@@ -12191,6 +8435,36 @@
           <a:xfrm>
             <a:off x="4235450" y="1253331"/>
             <a:ext cx="3721100" cy="4351338"/>
+          </a:xfrm>
+          <a:prstGeom prst="rect">
+            <a:avLst/>
+          </a:prstGeom>
+        </p:spPr>
+      </p:pic>
+      <p:pic>
+        <p:nvPicPr>
+          <p:cNvPr id="3" name="图片 2">
+            <a:extLst>
+              <a:ext uri="{FF2B5EF4-FFF2-40B4-BE49-F238E27FC236}">
+                <a16:creationId xmlns:a16="http://schemas.microsoft.com/office/drawing/2014/main" id="{10507100-3172-37BE-6FFF-22148DF2A765}"/>
+              </a:ext>
+            </a:extLst>
+          </p:cNvPr>
+          <p:cNvPicPr>
+            <a:picLocks noChangeAspect="1"/>
+          </p:cNvPicPr>
+          <p:nvPr/>
+        </p:nvPicPr>
+        <p:blipFill>
+          <a:blip r:embed="rId3"/>
+          <a:stretch>
+            <a:fillRect/>
+          </a:stretch>
+        </p:blipFill>
+        <p:spPr>
+          <a:xfrm>
+            <a:off x="6877686" y="7620"/>
+            <a:ext cx="3772535" cy="673100"/>
           </a:xfrm>
           <a:prstGeom prst="rect">
             <a:avLst/>
